--- a/office_adventure/maze_layouts/officelayout.pptx
+++ b/office_adventure/maze_layouts/officelayout.pptx
@@ -6,6 +6,7 @@
   </p:sldMasterIdLst>
   <p:sldIdLst>
     <p:sldId id="256" r:id="rId2"/>
+    <p:sldId id="257" r:id="rId3"/>
   </p:sldIdLst>
   <p:sldSz cx="12192000" cy="6858000"/>
   <p:notesSz cx="6858000" cy="9144000"/>
@@ -104,6 +105,11 @@
       </a:defRPr>
     </a:lvl9pPr>
   </p:defaultTextStyle>
+  <p:extLst>
+    <p:ext uri="{EFAFB233-063F-42B5-8137-9DF3F51BA10A}">
+      <p15:sldGuideLst xmlns:p15="http://schemas.microsoft.com/office/powerpoint/2012/main"/>
+    </p:ext>
+  </p:extLst>
 </p:presentation>
 </file>
 
@@ -254,7 +260,7 @@
           <a:p>
             <a:fld id="{E0CEC887-A5A9-4892-B9C8-08A232583A55}" type="datetimeFigureOut">
               <a:rPr lang="en-US" smtClean="0"/>
-              <a:t>12/3/2021</a:t>
+              <a:t>12/7/2021</a:t>
             </a:fld>
             <a:endParaRPr lang="en-US"/>
           </a:p>
@@ -452,7 +458,7 @@
           <a:p>
             <a:fld id="{E0CEC887-A5A9-4892-B9C8-08A232583A55}" type="datetimeFigureOut">
               <a:rPr lang="en-US" smtClean="0"/>
-              <a:t>12/3/2021</a:t>
+              <a:t>12/7/2021</a:t>
             </a:fld>
             <a:endParaRPr lang="en-US"/>
           </a:p>
@@ -660,7 +666,7 @@
           <a:p>
             <a:fld id="{E0CEC887-A5A9-4892-B9C8-08A232583A55}" type="datetimeFigureOut">
               <a:rPr lang="en-US" smtClean="0"/>
-              <a:t>12/3/2021</a:t>
+              <a:t>12/7/2021</a:t>
             </a:fld>
             <a:endParaRPr lang="en-US"/>
           </a:p>
@@ -858,7 +864,7 @@
           <a:p>
             <a:fld id="{E0CEC887-A5A9-4892-B9C8-08A232583A55}" type="datetimeFigureOut">
               <a:rPr lang="en-US" smtClean="0"/>
-              <a:t>12/3/2021</a:t>
+              <a:t>12/7/2021</a:t>
             </a:fld>
             <a:endParaRPr lang="en-US"/>
           </a:p>
@@ -1133,7 +1139,7 @@
           <a:p>
             <a:fld id="{E0CEC887-A5A9-4892-B9C8-08A232583A55}" type="datetimeFigureOut">
               <a:rPr lang="en-US" smtClean="0"/>
-              <a:t>12/3/2021</a:t>
+              <a:t>12/7/2021</a:t>
             </a:fld>
             <a:endParaRPr lang="en-US"/>
           </a:p>
@@ -1398,7 +1404,7 @@
           <a:p>
             <a:fld id="{E0CEC887-A5A9-4892-B9C8-08A232583A55}" type="datetimeFigureOut">
               <a:rPr lang="en-US" smtClean="0"/>
-              <a:t>12/3/2021</a:t>
+              <a:t>12/7/2021</a:t>
             </a:fld>
             <a:endParaRPr lang="en-US"/>
           </a:p>
@@ -1810,7 +1816,7 @@
           <a:p>
             <a:fld id="{E0CEC887-A5A9-4892-B9C8-08A232583A55}" type="datetimeFigureOut">
               <a:rPr lang="en-US" smtClean="0"/>
-              <a:t>12/3/2021</a:t>
+              <a:t>12/7/2021</a:t>
             </a:fld>
             <a:endParaRPr lang="en-US"/>
           </a:p>
@@ -1951,7 +1957,7 @@
           <a:p>
             <a:fld id="{E0CEC887-A5A9-4892-B9C8-08A232583A55}" type="datetimeFigureOut">
               <a:rPr lang="en-US" smtClean="0"/>
-              <a:t>12/3/2021</a:t>
+              <a:t>12/7/2021</a:t>
             </a:fld>
             <a:endParaRPr lang="en-US"/>
           </a:p>
@@ -2064,7 +2070,7 @@
           <a:p>
             <a:fld id="{E0CEC887-A5A9-4892-B9C8-08A232583A55}" type="datetimeFigureOut">
               <a:rPr lang="en-US" smtClean="0"/>
-              <a:t>12/3/2021</a:t>
+              <a:t>12/7/2021</a:t>
             </a:fld>
             <a:endParaRPr lang="en-US"/>
           </a:p>
@@ -2375,7 +2381,7 @@
           <a:p>
             <a:fld id="{E0CEC887-A5A9-4892-B9C8-08A232583A55}" type="datetimeFigureOut">
               <a:rPr lang="en-US" smtClean="0"/>
-              <a:t>12/3/2021</a:t>
+              <a:t>12/7/2021</a:t>
             </a:fld>
             <a:endParaRPr lang="en-US"/>
           </a:p>
@@ -2663,7 +2669,7 @@
           <a:p>
             <a:fld id="{E0CEC887-A5A9-4892-B9C8-08A232583A55}" type="datetimeFigureOut">
               <a:rPr lang="en-US" smtClean="0"/>
-              <a:t>12/3/2021</a:t>
+              <a:t>12/7/2021</a:t>
             </a:fld>
             <a:endParaRPr lang="en-US"/>
           </a:p>
@@ -2904,7 +2910,7 @@
           <a:p>
             <a:fld id="{E0CEC887-A5A9-4892-B9C8-08A232583A55}" type="datetimeFigureOut">
               <a:rPr lang="en-US" smtClean="0"/>
-              <a:t>12/3/2021</a:t>
+              <a:t>12/7/2021</a:t>
             </a:fld>
             <a:endParaRPr lang="en-US"/>
           </a:p>
@@ -3394,8 +3400,8 @@
         </p:blipFill>
         <p:spPr>
           <a:xfrm rot="10800000">
-            <a:off x="642551" y="636670"/>
-            <a:ext cx="14630400" cy="8875629"/>
+            <a:off x="-1154627" y="-1888781"/>
+            <a:ext cx="18256376" cy="11075350"/>
           </a:xfrm>
           <a:prstGeom prst="rect">
             <a:avLst/>
@@ -3416,8 +3422,8 @@
         </p:nvSpPr>
         <p:spPr>
           <a:xfrm>
-            <a:off x="-4501014" y="2845032"/>
-            <a:ext cx="457200" cy="457200"/>
+            <a:off x="15853272" y="4574681"/>
+            <a:ext cx="914400" cy="914400"/>
           </a:xfrm>
           <a:prstGeom prst="rect">
             <a:avLst/>
@@ -3462,7 +3468,7 @@
         </p:nvSpPr>
         <p:spPr>
           <a:xfrm>
-            <a:off x="-1175402" y="9011799"/>
+            <a:off x="-4105893" y="9011799"/>
             <a:ext cx="1828800" cy="1828800"/>
           </a:xfrm>
           <a:prstGeom prst="rect">
@@ -3496,56 +3502,10 @@
       </p:sp>
       <p:sp>
         <p:nvSpPr>
-          <p:cNvPr id="9" name="Rectangle 8" descr="200&#10;">
-            <a:extLst>
-              <a:ext uri="{FF2B5EF4-FFF2-40B4-BE49-F238E27FC236}">
-                <a16:creationId xmlns:a16="http://schemas.microsoft.com/office/drawing/2014/main" id="{FF6043F1-77EB-4B51-A928-4D7264ABD086}"/>
-              </a:ext>
-            </a:extLst>
-          </p:cNvPr>
-          <p:cNvSpPr/>
-          <p:nvPr/>
-        </p:nvSpPr>
-        <p:spPr>
-          <a:xfrm>
-            <a:off x="15262103" y="9011799"/>
-            <a:ext cx="1828800" cy="1828800"/>
-          </a:xfrm>
-          <a:prstGeom prst="rect">
-            <a:avLst/>
-          </a:prstGeom>
-        </p:spPr>
-        <p:style>
-          <a:lnRef idx="2">
-            <a:schemeClr val="accent1">
-              <a:shade val="50000"/>
-            </a:schemeClr>
-          </a:lnRef>
-          <a:fillRef idx="1">
-            <a:schemeClr val="accent1"/>
-          </a:fillRef>
-          <a:effectRef idx="0">
-            <a:schemeClr val="accent1"/>
-          </a:effectRef>
-          <a:fontRef idx="minor">
-            <a:schemeClr val="lt1"/>
-          </a:fontRef>
-        </p:style>
-        <p:txBody>
-          <a:bodyPr rtlCol="0" anchor="ctr"/>
-          <a:lstStyle/>
-          <a:p>
-            <a:pPr algn="ctr"/>
-            <a:endParaRPr lang="en-US"/>
-          </a:p>
-        </p:txBody>
-      </p:sp>
-      <p:sp>
-        <p:nvSpPr>
-          <p:cNvPr id="10" name="TextBox 9">
-            <a:extLst>
-              <a:ext uri="{FF2B5EF4-FFF2-40B4-BE49-F238E27FC236}">
-                <a16:creationId xmlns:a16="http://schemas.microsoft.com/office/drawing/2014/main" id="{596958A8-90A3-4EB5-8F8F-06F1569A92E5}"/>
+          <p:cNvPr id="11" name="TextBox 10">
+            <a:extLst>
+              <a:ext uri="{FF2B5EF4-FFF2-40B4-BE49-F238E27FC236}">
+                <a16:creationId xmlns:a16="http://schemas.microsoft.com/office/drawing/2014/main" id="{05937D67-9AE6-4371-A5F0-5C6D080D10A7}"/>
               </a:ext>
             </a:extLst>
           </p:cNvPr>
@@ -3554,7 +3514,7 @@
         </p:nvSpPr>
         <p:spPr>
           <a:xfrm>
-            <a:off x="15527547" y="9408694"/>
+            <a:off x="-3881607" y="9408693"/>
             <a:ext cx="1380227" cy="1015663"/>
           </a:xfrm>
           <a:prstGeom prst="rect">
@@ -3586,326 +3546,6 @@
       </p:sp>
       <p:sp>
         <p:nvSpPr>
-          <p:cNvPr id="11" name="TextBox 10">
-            <a:extLst>
-              <a:ext uri="{FF2B5EF4-FFF2-40B4-BE49-F238E27FC236}">
-                <a16:creationId xmlns:a16="http://schemas.microsoft.com/office/drawing/2014/main" id="{05937D67-9AE6-4371-A5F0-5C6D080D10A7}"/>
-              </a:ext>
-            </a:extLst>
-          </p:cNvPr>
-          <p:cNvSpPr txBox="1"/>
-          <p:nvPr/>
-        </p:nvSpPr>
-        <p:spPr>
-          <a:xfrm>
-            <a:off x="-951116" y="9408693"/>
-            <a:ext cx="1380227" cy="1015663"/>
-          </a:xfrm>
-          <a:prstGeom prst="rect">
-            <a:avLst/>
-          </a:prstGeom>
-          <a:noFill/>
-        </p:spPr>
-        <p:txBody>
-          <a:bodyPr wrap="square" rtlCol="0">
-            <a:spAutoFit/>
-          </a:bodyPr>
-          <a:lstStyle/>
-          <a:p>
-            <a:r>
-              <a:rPr lang="en-US" sz="6000" dirty="0">
-                <a:solidFill>
-                  <a:schemeClr val="bg1"/>
-                </a:solidFill>
-              </a:rPr>
-              <a:t>200</a:t>
-            </a:r>
-            <a:endParaRPr lang="en-US" dirty="0">
-              <a:solidFill>
-                <a:schemeClr val="bg1"/>
-              </a:solidFill>
-            </a:endParaRPr>
-          </a:p>
-        </p:txBody>
-      </p:sp>
-      <p:sp>
-        <p:nvSpPr>
-          <p:cNvPr id="13" name="Rectangle 12">
-            <a:extLst>
-              <a:ext uri="{FF2B5EF4-FFF2-40B4-BE49-F238E27FC236}">
-                <a16:creationId xmlns:a16="http://schemas.microsoft.com/office/drawing/2014/main" id="{40E9F951-3734-44BC-83D7-F80D6713DF13}"/>
-              </a:ext>
-            </a:extLst>
-          </p:cNvPr>
-          <p:cNvSpPr/>
-          <p:nvPr/>
-        </p:nvSpPr>
-        <p:spPr>
-          <a:xfrm>
-            <a:off x="13241547" y="5992729"/>
-            <a:ext cx="1500096" cy="468455"/>
-          </a:xfrm>
-          <a:prstGeom prst="rect">
-            <a:avLst/>
-          </a:prstGeom>
-        </p:spPr>
-        <p:style>
-          <a:lnRef idx="2">
-            <a:schemeClr val="accent1">
-              <a:shade val="50000"/>
-            </a:schemeClr>
-          </a:lnRef>
-          <a:fillRef idx="1">
-            <a:schemeClr val="accent1"/>
-          </a:fillRef>
-          <a:effectRef idx="0">
-            <a:schemeClr val="accent1"/>
-          </a:effectRef>
-          <a:fontRef idx="minor">
-            <a:schemeClr val="lt1"/>
-          </a:fontRef>
-        </p:style>
-        <p:txBody>
-          <a:bodyPr rtlCol="0" anchor="ctr"/>
-          <a:lstStyle/>
-          <a:p>
-            <a:pPr algn="ctr"/>
-            <a:endParaRPr lang="en-US"/>
-          </a:p>
-        </p:txBody>
-      </p:sp>
-      <p:sp>
-        <p:nvSpPr>
-          <p:cNvPr id="14" name="Rectangle 13">
-            <a:extLst>
-              <a:ext uri="{FF2B5EF4-FFF2-40B4-BE49-F238E27FC236}">
-                <a16:creationId xmlns:a16="http://schemas.microsoft.com/office/drawing/2014/main" id="{8AC97EBA-989E-44D0-8A04-2A7A5BC35DC1}"/>
-              </a:ext>
-            </a:extLst>
-          </p:cNvPr>
-          <p:cNvSpPr/>
-          <p:nvPr/>
-        </p:nvSpPr>
-        <p:spPr>
-          <a:xfrm rot="16200000">
-            <a:off x="12725727" y="5034332"/>
-            <a:ext cx="1500096" cy="468455"/>
-          </a:xfrm>
-          <a:prstGeom prst="rect">
-            <a:avLst/>
-          </a:prstGeom>
-        </p:spPr>
-        <p:style>
-          <a:lnRef idx="2">
-            <a:schemeClr val="accent1">
-              <a:shade val="50000"/>
-            </a:schemeClr>
-          </a:lnRef>
-          <a:fillRef idx="1">
-            <a:schemeClr val="accent1"/>
-          </a:fillRef>
-          <a:effectRef idx="0">
-            <a:schemeClr val="accent1"/>
-          </a:effectRef>
-          <a:fontRef idx="minor">
-            <a:schemeClr val="lt1"/>
-          </a:fontRef>
-        </p:style>
-        <p:txBody>
-          <a:bodyPr rtlCol="0" anchor="ctr"/>
-          <a:lstStyle/>
-          <a:p>
-            <a:pPr algn="ctr"/>
-            <a:endParaRPr lang="en-US"/>
-          </a:p>
-        </p:txBody>
-      </p:sp>
-      <p:sp>
-        <p:nvSpPr>
-          <p:cNvPr id="15" name="Rectangle 14">
-            <a:extLst>
-              <a:ext uri="{FF2B5EF4-FFF2-40B4-BE49-F238E27FC236}">
-                <a16:creationId xmlns:a16="http://schemas.microsoft.com/office/drawing/2014/main" id="{FEDCFDB6-BFAA-43A5-B892-A0184564C912}"/>
-              </a:ext>
-            </a:extLst>
-          </p:cNvPr>
-          <p:cNvSpPr/>
-          <p:nvPr/>
-        </p:nvSpPr>
-        <p:spPr>
-          <a:xfrm>
-            <a:off x="12959955" y="3429000"/>
-            <a:ext cx="2231162" cy="468455"/>
-          </a:xfrm>
-          <a:prstGeom prst="rect">
-            <a:avLst/>
-          </a:prstGeom>
-        </p:spPr>
-        <p:style>
-          <a:lnRef idx="2">
-            <a:schemeClr val="accent1">
-              <a:shade val="50000"/>
-            </a:schemeClr>
-          </a:lnRef>
-          <a:fillRef idx="1">
-            <a:schemeClr val="accent1"/>
-          </a:fillRef>
-          <a:effectRef idx="0">
-            <a:schemeClr val="accent1"/>
-          </a:effectRef>
-          <a:fontRef idx="minor">
-            <a:schemeClr val="lt1"/>
-          </a:fontRef>
-        </p:style>
-        <p:txBody>
-          <a:bodyPr rtlCol="0" anchor="ctr"/>
-          <a:lstStyle/>
-          <a:p>
-            <a:pPr algn="ctr"/>
-            <a:endParaRPr lang="en-US"/>
-          </a:p>
-        </p:txBody>
-      </p:sp>
-      <p:sp>
-        <p:nvSpPr>
-          <p:cNvPr id="16" name="Rectangle 15">
-            <a:extLst>
-              <a:ext uri="{FF2B5EF4-FFF2-40B4-BE49-F238E27FC236}">
-                <a16:creationId xmlns:a16="http://schemas.microsoft.com/office/drawing/2014/main" id="{72A53095-01F0-42CA-A5C5-A4CA5913B4AC}"/>
-              </a:ext>
-            </a:extLst>
-          </p:cNvPr>
-          <p:cNvSpPr/>
-          <p:nvPr/>
-        </p:nvSpPr>
-        <p:spPr>
-          <a:xfrm>
-            <a:off x="13710003" y="1912908"/>
-            <a:ext cx="1500096" cy="468455"/>
-          </a:xfrm>
-          <a:prstGeom prst="rect">
-            <a:avLst/>
-          </a:prstGeom>
-        </p:spPr>
-        <p:style>
-          <a:lnRef idx="2">
-            <a:schemeClr val="accent1">
-              <a:shade val="50000"/>
-            </a:schemeClr>
-          </a:lnRef>
-          <a:fillRef idx="1">
-            <a:schemeClr val="accent1"/>
-          </a:fillRef>
-          <a:effectRef idx="0">
-            <a:schemeClr val="accent1"/>
-          </a:effectRef>
-          <a:fontRef idx="minor">
-            <a:schemeClr val="lt1"/>
-          </a:fontRef>
-        </p:style>
-        <p:txBody>
-          <a:bodyPr rtlCol="0" anchor="ctr"/>
-          <a:lstStyle/>
-          <a:p>
-            <a:pPr algn="ctr"/>
-            <a:endParaRPr lang="en-US"/>
-          </a:p>
-        </p:txBody>
-      </p:sp>
-      <p:sp>
-        <p:nvSpPr>
-          <p:cNvPr id="17" name="Rectangle 16">
-            <a:extLst>
-              <a:ext uri="{FF2B5EF4-FFF2-40B4-BE49-F238E27FC236}">
-                <a16:creationId xmlns:a16="http://schemas.microsoft.com/office/drawing/2014/main" id="{DD5CAE1E-9E89-46F1-A519-62ADB9BB3D37}"/>
-              </a:ext>
-            </a:extLst>
-          </p:cNvPr>
-          <p:cNvSpPr/>
-          <p:nvPr/>
-        </p:nvSpPr>
-        <p:spPr>
-          <a:xfrm>
-            <a:off x="13762007" y="2416216"/>
-            <a:ext cx="1500096" cy="468455"/>
-          </a:xfrm>
-          <a:prstGeom prst="rect">
-            <a:avLst/>
-          </a:prstGeom>
-        </p:spPr>
-        <p:style>
-          <a:lnRef idx="2">
-            <a:schemeClr val="accent1">
-              <a:shade val="50000"/>
-            </a:schemeClr>
-          </a:lnRef>
-          <a:fillRef idx="1">
-            <a:schemeClr val="accent1"/>
-          </a:fillRef>
-          <a:effectRef idx="0">
-            <a:schemeClr val="accent1"/>
-          </a:effectRef>
-          <a:fontRef idx="minor">
-            <a:schemeClr val="lt1"/>
-          </a:fontRef>
-        </p:style>
-        <p:txBody>
-          <a:bodyPr rtlCol="0" anchor="ctr"/>
-          <a:lstStyle/>
-          <a:p>
-            <a:pPr algn="ctr"/>
-            <a:endParaRPr lang="en-US"/>
-          </a:p>
-        </p:txBody>
-      </p:sp>
-      <p:sp>
-        <p:nvSpPr>
-          <p:cNvPr id="18" name="Rectangle 17">
-            <a:extLst>
-              <a:ext uri="{FF2B5EF4-FFF2-40B4-BE49-F238E27FC236}">
-                <a16:creationId xmlns:a16="http://schemas.microsoft.com/office/drawing/2014/main" id="{3B763F4C-C371-487F-A33B-94825D238989}"/>
-              </a:ext>
-            </a:extLst>
-          </p:cNvPr>
-          <p:cNvSpPr/>
-          <p:nvPr/>
-        </p:nvSpPr>
-        <p:spPr>
-          <a:xfrm rot="5400000">
-            <a:off x="12939586" y="2167871"/>
-            <a:ext cx="1500096" cy="468455"/>
-          </a:xfrm>
-          <a:prstGeom prst="rect">
-            <a:avLst/>
-          </a:prstGeom>
-        </p:spPr>
-        <p:style>
-          <a:lnRef idx="2">
-            <a:schemeClr val="accent1">
-              <a:shade val="50000"/>
-            </a:schemeClr>
-          </a:lnRef>
-          <a:fillRef idx="1">
-            <a:schemeClr val="accent1"/>
-          </a:fillRef>
-          <a:effectRef idx="0">
-            <a:schemeClr val="accent1"/>
-          </a:effectRef>
-          <a:fontRef idx="minor">
-            <a:schemeClr val="lt1"/>
-          </a:fontRef>
-        </p:style>
-        <p:txBody>
-          <a:bodyPr rtlCol="0" anchor="ctr"/>
-          <a:lstStyle/>
-          <a:p>
-            <a:pPr algn="ctr"/>
-            <a:endParaRPr lang="en-US"/>
-          </a:p>
-        </p:txBody>
-      </p:sp>
-      <p:sp>
-        <p:nvSpPr>
           <p:cNvPr id="19" name="Rectangle 18">
             <a:extLst>
               <a:ext uri="{FF2B5EF4-FFF2-40B4-BE49-F238E27FC236}">
@@ -3918,146 +3558,3412 @@
         </p:nvSpPr>
         <p:spPr>
           <a:xfrm>
-            <a:off x="653398" y="162589"/>
-            <a:ext cx="14630400" cy="457200"/>
-          </a:xfrm>
-          <a:prstGeom prst="rect">
-            <a:avLst/>
-          </a:prstGeom>
-        </p:spPr>
-        <p:style>
-          <a:lnRef idx="2">
-            <a:schemeClr val="accent1">
-              <a:shade val="50000"/>
-            </a:schemeClr>
-          </a:lnRef>
-          <a:fillRef idx="1">
-            <a:schemeClr val="accent1"/>
-          </a:fillRef>
-          <a:effectRef idx="0">
-            <a:schemeClr val="accent1"/>
-          </a:effectRef>
-          <a:fontRef idx="minor">
-            <a:schemeClr val="lt1"/>
-          </a:fontRef>
-        </p:style>
-        <p:txBody>
-          <a:bodyPr rtlCol="0" anchor="ctr"/>
-          <a:lstStyle/>
-          <a:p>
-            <a:pPr algn="ctr"/>
-            <a:endParaRPr lang="en-US"/>
-          </a:p>
-        </p:txBody>
-      </p:sp>
-      <p:sp>
-        <p:nvSpPr>
-          <p:cNvPr id="20" name="Rectangle 19">
-            <a:extLst>
-              <a:ext uri="{FF2B5EF4-FFF2-40B4-BE49-F238E27FC236}">
-                <a16:creationId xmlns:a16="http://schemas.microsoft.com/office/drawing/2014/main" id="{309DF131-71DB-411C-821F-D59C87496C3D}"/>
-              </a:ext>
-            </a:extLst>
-          </p:cNvPr>
-          <p:cNvSpPr/>
-          <p:nvPr/>
-        </p:nvSpPr>
-        <p:spPr>
-          <a:xfrm>
-            <a:off x="678165" y="9467011"/>
-            <a:ext cx="13495039" cy="457200"/>
-          </a:xfrm>
-          <a:prstGeom prst="rect">
-            <a:avLst/>
-          </a:prstGeom>
-        </p:spPr>
-        <p:style>
-          <a:lnRef idx="2">
-            <a:schemeClr val="accent1">
-              <a:shade val="50000"/>
-            </a:schemeClr>
-          </a:lnRef>
-          <a:fillRef idx="1">
-            <a:schemeClr val="accent1"/>
-          </a:fillRef>
-          <a:effectRef idx="0">
-            <a:schemeClr val="accent1"/>
-          </a:effectRef>
-          <a:fontRef idx="minor">
-            <a:schemeClr val="lt1"/>
-          </a:fontRef>
-        </p:style>
-        <p:txBody>
-          <a:bodyPr rtlCol="0" anchor="ctr"/>
-          <a:lstStyle/>
-          <a:p>
-            <a:pPr algn="ctr"/>
-            <a:endParaRPr lang="en-US"/>
-          </a:p>
-        </p:txBody>
-      </p:sp>
-      <p:sp>
-        <p:nvSpPr>
-          <p:cNvPr id="21" name="Rectangle 20">
-            <a:extLst>
-              <a:ext uri="{FF2B5EF4-FFF2-40B4-BE49-F238E27FC236}">
-                <a16:creationId xmlns:a16="http://schemas.microsoft.com/office/drawing/2014/main" id="{6D08657A-B2C6-462F-A788-4FBE2A71BBF5}"/>
-              </a:ext>
-            </a:extLst>
-          </p:cNvPr>
-          <p:cNvSpPr/>
-          <p:nvPr/>
-        </p:nvSpPr>
-        <p:spPr>
-          <a:xfrm rot="5400000">
-            <a:off x="10516468" y="4871750"/>
-            <a:ext cx="9875520" cy="457200"/>
-          </a:xfrm>
-          <a:prstGeom prst="rect">
-            <a:avLst/>
-          </a:prstGeom>
-        </p:spPr>
-        <p:style>
-          <a:lnRef idx="2">
-            <a:schemeClr val="accent1">
-              <a:shade val="50000"/>
-            </a:schemeClr>
-          </a:lnRef>
-          <a:fillRef idx="1">
-            <a:schemeClr val="accent1"/>
-          </a:fillRef>
-          <a:effectRef idx="0">
-            <a:schemeClr val="accent1"/>
-          </a:effectRef>
-          <a:fontRef idx="minor">
-            <a:schemeClr val="lt1"/>
-          </a:fontRef>
-        </p:style>
-        <p:txBody>
-          <a:bodyPr rtlCol="0" anchor="ctr"/>
-          <a:lstStyle/>
-          <a:p>
-            <a:pPr algn="ctr"/>
-            <a:endParaRPr lang="en-US"/>
-          </a:p>
-        </p:txBody>
-      </p:sp>
-      <p:sp>
-        <p:nvSpPr>
-          <p:cNvPr id="22" name="Rectangle 21">
-            <a:extLst>
-              <a:ext uri="{FF2B5EF4-FFF2-40B4-BE49-F238E27FC236}">
-                <a16:creationId xmlns:a16="http://schemas.microsoft.com/office/drawing/2014/main" id="{1031A855-9E00-4F26-B55B-96A31DCBE6A1}"/>
-              </a:ext>
-            </a:extLst>
-          </p:cNvPr>
-          <p:cNvSpPr/>
-          <p:nvPr/>
-        </p:nvSpPr>
-        <p:spPr>
-          <a:xfrm rot="5400000">
-            <a:off x="-4496265" y="4871749"/>
-            <a:ext cx="9875520" cy="457200"/>
+            <a:off x="-1154625" y="-2847249"/>
+            <a:ext cx="18288000" cy="914400"/>
+          </a:xfrm>
+          <a:prstGeom prst="rect">
+            <a:avLst/>
+          </a:prstGeom>
+        </p:spPr>
+        <p:style>
+          <a:lnRef idx="2">
+            <a:schemeClr val="accent1">
+              <a:shade val="50000"/>
+            </a:schemeClr>
+          </a:lnRef>
+          <a:fillRef idx="1">
+            <a:schemeClr val="accent1"/>
+          </a:fillRef>
+          <a:effectRef idx="0">
+            <a:schemeClr val="accent1"/>
+          </a:effectRef>
+          <a:fontRef idx="minor">
+            <a:schemeClr val="lt1"/>
+          </a:fontRef>
+        </p:style>
+        <p:txBody>
+          <a:bodyPr rtlCol="0" anchor="ctr"/>
+          <a:lstStyle/>
+          <a:p>
+            <a:pPr algn="ctr"/>
+            <a:endParaRPr lang="en-US"/>
+          </a:p>
+        </p:txBody>
+      </p:sp>
+      <p:sp>
+        <p:nvSpPr>
+          <p:cNvPr id="23" name="Rectangle 22">
+            <a:extLst>
+              <a:ext uri="{FF2B5EF4-FFF2-40B4-BE49-F238E27FC236}">
+                <a16:creationId xmlns:a16="http://schemas.microsoft.com/office/drawing/2014/main" id="{1930E824-E612-459F-9A67-3304B9AE497D}"/>
+              </a:ext>
+            </a:extLst>
+          </p:cNvPr>
+          <p:cNvSpPr/>
+          <p:nvPr/>
+        </p:nvSpPr>
+        <p:spPr>
+          <a:xfrm>
+            <a:off x="-1217873" y="9103500"/>
+            <a:ext cx="17071145" cy="914400"/>
+          </a:xfrm>
+          <a:prstGeom prst="rect">
+            <a:avLst/>
+          </a:prstGeom>
+        </p:spPr>
+        <p:style>
+          <a:lnRef idx="2">
+            <a:schemeClr val="accent1">
+              <a:shade val="50000"/>
+            </a:schemeClr>
+          </a:lnRef>
+          <a:fillRef idx="1">
+            <a:schemeClr val="accent1"/>
+          </a:fillRef>
+          <a:effectRef idx="0">
+            <a:schemeClr val="accent1"/>
+          </a:effectRef>
+          <a:fontRef idx="minor">
+            <a:schemeClr val="lt1"/>
+          </a:fontRef>
+        </p:style>
+        <p:txBody>
+          <a:bodyPr rtlCol="0" anchor="ctr"/>
+          <a:lstStyle/>
+          <a:p>
+            <a:pPr algn="ctr"/>
+            <a:endParaRPr lang="en-US"/>
+          </a:p>
+        </p:txBody>
+      </p:sp>
+      <p:sp>
+        <p:nvSpPr>
+          <p:cNvPr id="26" name="Rectangle 25">
+            <a:extLst>
+              <a:ext uri="{FF2B5EF4-FFF2-40B4-BE49-F238E27FC236}">
+                <a16:creationId xmlns:a16="http://schemas.microsoft.com/office/drawing/2014/main" id="{B8FF9F9F-7E49-4EE4-B879-7541AC6A5A1C}"/>
+              </a:ext>
+            </a:extLst>
+          </p:cNvPr>
+          <p:cNvSpPr/>
+          <p:nvPr/>
+        </p:nvSpPr>
+        <p:spPr>
+          <a:xfrm>
+            <a:off x="14956824" y="4574680"/>
+            <a:ext cx="914400" cy="914400"/>
+          </a:xfrm>
+          <a:prstGeom prst="rect">
+            <a:avLst/>
+          </a:prstGeom>
+        </p:spPr>
+        <p:style>
+          <a:lnRef idx="2">
+            <a:schemeClr val="accent1">
+              <a:shade val="50000"/>
+            </a:schemeClr>
+          </a:lnRef>
+          <a:fillRef idx="1">
+            <a:schemeClr val="accent1"/>
+          </a:fillRef>
+          <a:effectRef idx="0">
+            <a:schemeClr val="accent1"/>
+          </a:effectRef>
+          <a:fontRef idx="minor">
+            <a:schemeClr val="lt1"/>
+          </a:fontRef>
+        </p:style>
+        <p:txBody>
+          <a:bodyPr rtlCol="0" anchor="ctr"/>
+          <a:lstStyle/>
+          <a:p>
+            <a:pPr algn="ctr"/>
+            <a:endParaRPr lang="en-US"/>
+          </a:p>
+        </p:txBody>
+      </p:sp>
+      <p:sp>
+        <p:nvSpPr>
+          <p:cNvPr id="27" name="Rectangle 26">
+            <a:extLst>
+              <a:ext uri="{FF2B5EF4-FFF2-40B4-BE49-F238E27FC236}">
+                <a16:creationId xmlns:a16="http://schemas.microsoft.com/office/drawing/2014/main" id="{F3FDEA88-947D-45C1-AA6B-7EE89130777B}"/>
+              </a:ext>
+            </a:extLst>
+          </p:cNvPr>
+          <p:cNvSpPr/>
+          <p:nvPr/>
+        </p:nvSpPr>
+        <p:spPr>
+          <a:xfrm>
+            <a:off x="14060376" y="4549818"/>
+            <a:ext cx="914400" cy="914400"/>
+          </a:xfrm>
+          <a:prstGeom prst="rect">
+            <a:avLst/>
+          </a:prstGeom>
+        </p:spPr>
+        <p:style>
+          <a:lnRef idx="2">
+            <a:schemeClr val="accent1">
+              <a:shade val="50000"/>
+            </a:schemeClr>
+          </a:lnRef>
+          <a:fillRef idx="1">
+            <a:schemeClr val="accent1"/>
+          </a:fillRef>
+          <a:effectRef idx="0">
+            <a:schemeClr val="accent1"/>
+          </a:effectRef>
+          <a:fontRef idx="minor">
+            <a:schemeClr val="lt1"/>
+          </a:fontRef>
+        </p:style>
+        <p:txBody>
+          <a:bodyPr rtlCol="0" anchor="ctr"/>
+          <a:lstStyle/>
+          <a:p>
+            <a:pPr algn="ctr"/>
+            <a:endParaRPr lang="en-US"/>
+          </a:p>
+        </p:txBody>
+      </p:sp>
+      <p:sp>
+        <p:nvSpPr>
+          <p:cNvPr id="28" name="Rectangle 27">
+            <a:extLst>
+              <a:ext uri="{FF2B5EF4-FFF2-40B4-BE49-F238E27FC236}">
+                <a16:creationId xmlns:a16="http://schemas.microsoft.com/office/drawing/2014/main" id="{2143D897-FCF2-4BE9-B439-0844E0D9A65C}"/>
+              </a:ext>
+            </a:extLst>
+          </p:cNvPr>
+          <p:cNvSpPr/>
+          <p:nvPr/>
+        </p:nvSpPr>
+        <p:spPr>
+          <a:xfrm>
+            <a:off x="14042424" y="3660279"/>
+            <a:ext cx="914400" cy="914400"/>
+          </a:xfrm>
+          <a:prstGeom prst="rect">
+            <a:avLst/>
+          </a:prstGeom>
+        </p:spPr>
+        <p:style>
+          <a:lnRef idx="2">
+            <a:schemeClr val="accent1">
+              <a:shade val="50000"/>
+            </a:schemeClr>
+          </a:lnRef>
+          <a:fillRef idx="1">
+            <a:schemeClr val="accent1"/>
+          </a:fillRef>
+          <a:effectRef idx="0">
+            <a:schemeClr val="accent1"/>
+          </a:effectRef>
+          <a:fontRef idx="minor">
+            <a:schemeClr val="lt1"/>
+          </a:fontRef>
+        </p:style>
+        <p:txBody>
+          <a:bodyPr rtlCol="0" anchor="ctr"/>
+          <a:lstStyle/>
+          <a:p>
+            <a:pPr algn="ctr"/>
+            <a:endParaRPr lang="en-US"/>
+          </a:p>
+        </p:txBody>
+      </p:sp>
+      <p:sp>
+        <p:nvSpPr>
+          <p:cNvPr id="29" name="Rectangle 28">
+            <a:extLst>
+              <a:ext uri="{FF2B5EF4-FFF2-40B4-BE49-F238E27FC236}">
+                <a16:creationId xmlns:a16="http://schemas.microsoft.com/office/drawing/2014/main" id="{D5FE3D91-003C-4C29-B4F4-91ACC933064C}"/>
+              </a:ext>
+            </a:extLst>
+          </p:cNvPr>
+          <p:cNvSpPr/>
+          <p:nvPr/>
+        </p:nvSpPr>
+        <p:spPr>
+          <a:xfrm>
+            <a:off x="8697407" y="0"/>
+            <a:ext cx="914400" cy="914400"/>
+          </a:xfrm>
+          <a:prstGeom prst="rect">
+            <a:avLst/>
+          </a:prstGeom>
+        </p:spPr>
+        <p:style>
+          <a:lnRef idx="2">
+            <a:schemeClr val="accent1">
+              <a:shade val="50000"/>
+            </a:schemeClr>
+          </a:lnRef>
+          <a:fillRef idx="1">
+            <a:schemeClr val="accent1"/>
+          </a:fillRef>
+          <a:effectRef idx="0">
+            <a:schemeClr val="accent1"/>
+          </a:effectRef>
+          <a:fontRef idx="minor">
+            <a:schemeClr val="lt1"/>
+          </a:fontRef>
+        </p:style>
+        <p:txBody>
+          <a:bodyPr rtlCol="0" anchor="ctr"/>
+          <a:lstStyle/>
+          <a:p>
+            <a:pPr algn="ctr"/>
+            <a:endParaRPr lang="en-US"/>
+          </a:p>
+        </p:txBody>
+      </p:sp>
+      <p:sp>
+        <p:nvSpPr>
+          <p:cNvPr id="30" name="Rectangle 29">
+            <a:extLst>
+              <a:ext uri="{FF2B5EF4-FFF2-40B4-BE49-F238E27FC236}">
+                <a16:creationId xmlns:a16="http://schemas.microsoft.com/office/drawing/2014/main" id="{9D1A30F1-F68D-421C-830D-CB00F1EC32B4}"/>
+              </a:ext>
+            </a:extLst>
+          </p:cNvPr>
+          <p:cNvSpPr/>
+          <p:nvPr/>
+        </p:nvSpPr>
+        <p:spPr>
+          <a:xfrm>
+            <a:off x="9611807" y="-914400"/>
+            <a:ext cx="914400" cy="914400"/>
+          </a:xfrm>
+          <a:prstGeom prst="rect">
+            <a:avLst/>
+          </a:prstGeom>
+        </p:spPr>
+        <p:style>
+          <a:lnRef idx="2">
+            <a:schemeClr val="accent1">
+              <a:shade val="50000"/>
+            </a:schemeClr>
+          </a:lnRef>
+          <a:fillRef idx="1">
+            <a:schemeClr val="accent1"/>
+          </a:fillRef>
+          <a:effectRef idx="0">
+            <a:schemeClr val="accent1"/>
+          </a:effectRef>
+          <a:fontRef idx="minor">
+            <a:schemeClr val="lt1"/>
+          </a:fontRef>
+        </p:style>
+        <p:txBody>
+          <a:bodyPr rtlCol="0" anchor="ctr"/>
+          <a:lstStyle/>
+          <a:p>
+            <a:pPr algn="ctr"/>
+            <a:endParaRPr lang="en-US"/>
+          </a:p>
+        </p:txBody>
+      </p:sp>
+      <p:sp>
+        <p:nvSpPr>
+          <p:cNvPr id="31" name="Rectangle 30">
+            <a:extLst>
+              <a:ext uri="{FF2B5EF4-FFF2-40B4-BE49-F238E27FC236}">
+                <a16:creationId xmlns:a16="http://schemas.microsoft.com/office/drawing/2014/main" id="{1B2DEFD7-A300-439B-B9A8-F920ACAA753D}"/>
+              </a:ext>
+            </a:extLst>
+          </p:cNvPr>
+          <p:cNvSpPr/>
+          <p:nvPr/>
+        </p:nvSpPr>
+        <p:spPr>
+          <a:xfrm>
+            <a:off x="8715359" y="-939262"/>
+            <a:ext cx="914400" cy="914400"/>
+          </a:xfrm>
+          <a:prstGeom prst="rect">
+            <a:avLst/>
+          </a:prstGeom>
+        </p:spPr>
+        <p:style>
+          <a:lnRef idx="2">
+            <a:schemeClr val="accent1">
+              <a:shade val="50000"/>
+            </a:schemeClr>
+          </a:lnRef>
+          <a:fillRef idx="1">
+            <a:schemeClr val="accent1"/>
+          </a:fillRef>
+          <a:effectRef idx="0">
+            <a:schemeClr val="accent1"/>
+          </a:effectRef>
+          <a:fontRef idx="minor">
+            <a:schemeClr val="lt1"/>
+          </a:fontRef>
+        </p:style>
+        <p:txBody>
+          <a:bodyPr rtlCol="0" anchor="ctr"/>
+          <a:lstStyle/>
+          <a:p>
+            <a:pPr algn="ctr"/>
+            <a:endParaRPr lang="en-US"/>
+          </a:p>
+        </p:txBody>
+      </p:sp>
+      <p:sp>
+        <p:nvSpPr>
+          <p:cNvPr id="32" name="Rectangle 31">
+            <a:extLst>
+              <a:ext uri="{FF2B5EF4-FFF2-40B4-BE49-F238E27FC236}">
+                <a16:creationId xmlns:a16="http://schemas.microsoft.com/office/drawing/2014/main" id="{9F1AFE77-DB12-4320-8231-4676712AFCF9}"/>
+              </a:ext>
+            </a:extLst>
+          </p:cNvPr>
+          <p:cNvSpPr/>
+          <p:nvPr/>
+        </p:nvSpPr>
+        <p:spPr>
+          <a:xfrm>
+            <a:off x="9587223" y="-60593"/>
+            <a:ext cx="914400" cy="914400"/>
+          </a:xfrm>
+          <a:prstGeom prst="rect">
+            <a:avLst/>
+          </a:prstGeom>
+        </p:spPr>
+        <p:style>
+          <a:lnRef idx="2">
+            <a:schemeClr val="accent1">
+              <a:shade val="50000"/>
+            </a:schemeClr>
+          </a:lnRef>
+          <a:fillRef idx="1">
+            <a:schemeClr val="accent1"/>
+          </a:fillRef>
+          <a:effectRef idx="0">
+            <a:schemeClr val="accent1"/>
+          </a:effectRef>
+          <a:fontRef idx="minor">
+            <a:schemeClr val="lt1"/>
+          </a:fontRef>
+        </p:style>
+        <p:txBody>
+          <a:bodyPr rtlCol="0" anchor="ctr"/>
+          <a:lstStyle/>
+          <a:p>
+            <a:pPr algn="ctr"/>
+            <a:endParaRPr lang="en-US"/>
+          </a:p>
+        </p:txBody>
+      </p:sp>
+      <p:sp>
+        <p:nvSpPr>
+          <p:cNvPr id="33" name="Rectangle 32">
+            <a:extLst>
+              <a:ext uri="{FF2B5EF4-FFF2-40B4-BE49-F238E27FC236}">
+                <a16:creationId xmlns:a16="http://schemas.microsoft.com/office/drawing/2014/main" id="{5FFB30CF-743B-469C-A03D-8B99C4C0A1CF}"/>
+              </a:ext>
+            </a:extLst>
+          </p:cNvPr>
+          <p:cNvSpPr/>
+          <p:nvPr/>
+        </p:nvSpPr>
+        <p:spPr>
+          <a:xfrm>
+            <a:off x="11125606" y="-167090"/>
+            <a:ext cx="914400" cy="914400"/>
+          </a:xfrm>
+          <a:prstGeom prst="rect">
+            <a:avLst/>
+          </a:prstGeom>
+        </p:spPr>
+        <p:style>
+          <a:lnRef idx="2">
+            <a:schemeClr val="accent1">
+              <a:shade val="50000"/>
+            </a:schemeClr>
+          </a:lnRef>
+          <a:fillRef idx="1">
+            <a:schemeClr val="accent1"/>
+          </a:fillRef>
+          <a:effectRef idx="0">
+            <a:schemeClr val="accent1"/>
+          </a:effectRef>
+          <a:fontRef idx="minor">
+            <a:schemeClr val="lt1"/>
+          </a:fontRef>
+        </p:style>
+        <p:txBody>
+          <a:bodyPr rtlCol="0" anchor="ctr"/>
+          <a:lstStyle/>
+          <a:p>
+            <a:pPr algn="ctr"/>
+            <a:endParaRPr lang="en-US"/>
+          </a:p>
+        </p:txBody>
+      </p:sp>
+      <p:sp>
+        <p:nvSpPr>
+          <p:cNvPr id="34" name="Rectangle 33">
+            <a:extLst>
+              <a:ext uri="{FF2B5EF4-FFF2-40B4-BE49-F238E27FC236}">
+                <a16:creationId xmlns:a16="http://schemas.microsoft.com/office/drawing/2014/main" id="{783A878D-639C-416F-B011-CD31E931D8C4}"/>
+              </a:ext>
+            </a:extLst>
+          </p:cNvPr>
+          <p:cNvSpPr/>
+          <p:nvPr/>
+        </p:nvSpPr>
+        <p:spPr>
+          <a:xfrm>
+            <a:off x="12040006" y="-1081490"/>
+            <a:ext cx="914400" cy="914400"/>
+          </a:xfrm>
+          <a:prstGeom prst="rect">
+            <a:avLst/>
+          </a:prstGeom>
+        </p:spPr>
+        <p:style>
+          <a:lnRef idx="2">
+            <a:schemeClr val="accent1">
+              <a:shade val="50000"/>
+            </a:schemeClr>
+          </a:lnRef>
+          <a:fillRef idx="1">
+            <a:schemeClr val="accent1"/>
+          </a:fillRef>
+          <a:effectRef idx="0">
+            <a:schemeClr val="accent1"/>
+          </a:effectRef>
+          <a:fontRef idx="minor">
+            <a:schemeClr val="lt1"/>
+          </a:fontRef>
+        </p:style>
+        <p:txBody>
+          <a:bodyPr rtlCol="0" anchor="ctr"/>
+          <a:lstStyle/>
+          <a:p>
+            <a:pPr algn="ctr"/>
+            <a:endParaRPr lang="en-US"/>
+          </a:p>
+        </p:txBody>
+      </p:sp>
+      <p:sp>
+        <p:nvSpPr>
+          <p:cNvPr id="35" name="Rectangle 34">
+            <a:extLst>
+              <a:ext uri="{FF2B5EF4-FFF2-40B4-BE49-F238E27FC236}">
+                <a16:creationId xmlns:a16="http://schemas.microsoft.com/office/drawing/2014/main" id="{17B1701B-ACFA-4E4E-B1CA-E12457768DCC}"/>
+              </a:ext>
+            </a:extLst>
+          </p:cNvPr>
+          <p:cNvSpPr/>
+          <p:nvPr/>
+        </p:nvSpPr>
+        <p:spPr>
+          <a:xfrm>
+            <a:off x="11143558" y="-1106352"/>
+            <a:ext cx="914400" cy="914400"/>
+          </a:xfrm>
+          <a:prstGeom prst="rect">
+            <a:avLst/>
+          </a:prstGeom>
+        </p:spPr>
+        <p:style>
+          <a:lnRef idx="2">
+            <a:schemeClr val="accent1">
+              <a:shade val="50000"/>
+            </a:schemeClr>
+          </a:lnRef>
+          <a:fillRef idx="1">
+            <a:schemeClr val="accent1"/>
+          </a:fillRef>
+          <a:effectRef idx="0">
+            <a:schemeClr val="accent1"/>
+          </a:effectRef>
+          <a:fontRef idx="minor">
+            <a:schemeClr val="lt1"/>
+          </a:fontRef>
+        </p:style>
+        <p:txBody>
+          <a:bodyPr rtlCol="0" anchor="ctr"/>
+          <a:lstStyle/>
+          <a:p>
+            <a:pPr algn="ctr"/>
+            <a:endParaRPr lang="en-US"/>
+          </a:p>
+        </p:txBody>
+      </p:sp>
+      <p:sp>
+        <p:nvSpPr>
+          <p:cNvPr id="36" name="Rectangle 35">
+            <a:extLst>
+              <a:ext uri="{FF2B5EF4-FFF2-40B4-BE49-F238E27FC236}">
+                <a16:creationId xmlns:a16="http://schemas.microsoft.com/office/drawing/2014/main" id="{B40C5DFF-B103-4C9A-BDC3-5351BFA9FB44}"/>
+              </a:ext>
+            </a:extLst>
+          </p:cNvPr>
+          <p:cNvSpPr/>
+          <p:nvPr/>
+        </p:nvSpPr>
+        <p:spPr>
+          <a:xfrm>
+            <a:off x="12015422" y="-227683"/>
+            <a:ext cx="914400" cy="914400"/>
+          </a:xfrm>
+          <a:prstGeom prst="rect">
+            <a:avLst/>
+          </a:prstGeom>
+        </p:spPr>
+        <p:style>
+          <a:lnRef idx="2">
+            <a:schemeClr val="accent1">
+              <a:shade val="50000"/>
+            </a:schemeClr>
+          </a:lnRef>
+          <a:fillRef idx="1">
+            <a:schemeClr val="accent1"/>
+          </a:fillRef>
+          <a:effectRef idx="0">
+            <a:schemeClr val="accent1"/>
+          </a:effectRef>
+          <a:fontRef idx="minor">
+            <a:schemeClr val="lt1"/>
+          </a:fontRef>
+        </p:style>
+        <p:txBody>
+          <a:bodyPr rtlCol="0" anchor="ctr"/>
+          <a:lstStyle/>
+          <a:p>
+            <a:pPr algn="ctr"/>
+            <a:endParaRPr lang="en-US"/>
+          </a:p>
+        </p:txBody>
+      </p:sp>
+      <p:sp>
+        <p:nvSpPr>
+          <p:cNvPr id="37" name="Rectangle 36">
+            <a:extLst>
+              <a:ext uri="{FF2B5EF4-FFF2-40B4-BE49-F238E27FC236}">
+                <a16:creationId xmlns:a16="http://schemas.microsoft.com/office/drawing/2014/main" id="{0DC3D323-6B20-4615-B761-A3B1445F4C66}"/>
+              </a:ext>
+            </a:extLst>
+          </p:cNvPr>
+          <p:cNvSpPr/>
+          <p:nvPr/>
+        </p:nvSpPr>
+        <p:spPr>
+          <a:xfrm>
+            <a:off x="15304571" y="384154"/>
+            <a:ext cx="914400" cy="914400"/>
+          </a:xfrm>
+          <a:prstGeom prst="rect">
+            <a:avLst/>
+          </a:prstGeom>
+        </p:spPr>
+        <p:style>
+          <a:lnRef idx="2">
+            <a:schemeClr val="accent1">
+              <a:shade val="50000"/>
+            </a:schemeClr>
+          </a:lnRef>
+          <a:fillRef idx="1">
+            <a:schemeClr val="accent1"/>
+          </a:fillRef>
+          <a:effectRef idx="0">
+            <a:schemeClr val="accent1"/>
+          </a:effectRef>
+          <a:fontRef idx="minor">
+            <a:schemeClr val="lt1"/>
+          </a:fontRef>
+        </p:style>
+        <p:txBody>
+          <a:bodyPr rtlCol="0" anchor="ctr"/>
+          <a:lstStyle/>
+          <a:p>
+            <a:pPr algn="ctr"/>
+            <a:endParaRPr lang="en-US"/>
+          </a:p>
+        </p:txBody>
+      </p:sp>
+      <p:sp>
+        <p:nvSpPr>
+          <p:cNvPr id="38" name="Rectangle 37">
+            <a:extLst>
+              <a:ext uri="{FF2B5EF4-FFF2-40B4-BE49-F238E27FC236}">
+                <a16:creationId xmlns:a16="http://schemas.microsoft.com/office/drawing/2014/main" id="{457D795A-0FB4-4030-A1C0-1B33CFEBA77B}"/>
+              </a:ext>
+            </a:extLst>
+          </p:cNvPr>
+          <p:cNvSpPr/>
+          <p:nvPr/>
+        </p:nvSpPr>
+        <p:spPr>
+          <a:xfrm>
+            <a:off x="16218971" y="-530246"/>
+            <a:ext cx="914400" cy="914400"/>
+          </a:xfrm>
+          <a:prstGeom prst="rect">
+            <a:avLst/>
+          </a:prstGeom>
+        </p:spPr>
+        <p:style>
+          <a:lnRef idx="2">
+            <a:schemeClr val="accent1">
+              <a:shade val="50000"/>
+            </a:schemeClr>
+          </a:lnRef>
+          <a:fillRef idx="1">
+            <a:schemeClr val="accent1"/>
+          </a:fillRef>
+          <a:effectRef idx="0">
+            <a:schemeClr val="accent1"/>
+          </a:effectRef>
+          <a:fontRef idx="minor">
+            <a:schemeClr val="lt1"/>
+          </a:fontRef>
+        </p:style>
+        <p:txBody>
+          <a:bodyPr rtlCol="0" anchor="ctr"/>
+          <a:lstStyle/>
+          <a:p>
+            <a:pPr algn="ctr"/>
+            <a:endParaRPr lang="en-US"/>
+          </a:p>
+        </p:txBody>
+      </p:sp>
+      <p:sp>
+        <p:nvSpPr>
+          <p:cNvPr id="39" name="Rectangle 38">
+            <a:extLst>
+              <a:ext uri="{FF2B5EF4-FFF2-40B4-BE49-F238E27FC236}">
+                <a16:creationId xmlns:a16="http://schemas.microsoft.com/office/drawing/2014/main" id="{51932715-8EAE-4F5F-9C3B-F10E78F45F79}"/>
+              </a:ext>
+            </a:extLst>
+          </p:cNvPr>
+          <p:cNvSpPr/>
+          <p:nvPr/>
+        </p:nvSpPr>
+        <p:spPr>
+          <a:xfrm>
+            <a:off x="15322523" y="-555108"/>
+            <a:ext cx="914400" cy="914400"/>
+          </a:xfrm>
+          <a:prstGeom prst="rect">
+            <a:avLst/>
+          </a:prstGeom>
+        </p:spPr>
+        <p:style>
+          <a:lnRef idx="2">
+            <a:schemeClr val="accent1">
+              <a:shade val="50000"/>
+            </a:schemeClr>
+          </a:lnRef>
+          <a:fillRef idx="1">
+            <a:schemeClr val="accent1"/>
+          </a:fillRef>
+          <a:effectRef idx="0">
+            <a:schemeClr val="accent1"/>
+          </a:effectRef>
+          <a:fontRef idx="minor">
+            <a:schemeClr val="lt1"/>
+          </a:fontRef>
+        </p:style>
+        <p:txBody>
+          <a:bodyPr rtlCol="0" anchor="ctr"/>
+          <a:lstStyle/>
+          <a:p>
+            <a:pPr algn="ctr"/>
+            <a:endParaRPr lang="en-US"/>
+          </a:p>
+        </p:txBody>
+      </p:sp>
+      <p:sp>
+        <p:nvSpPr>
+          <p:cNvPr id="40" name="Rectangle 39">
+            <a:extLst>
+              <a:ext uri="{FF2B5EF4-FFF2-40B4-BE49-F238E27FC236}">
+                <a16:creationId xmlns:a16="http://schemas.microsoft.com/office/drawing/2014/main" id="{153A8094-FAAC-426A-892D-3FA8F327A593}"/>
+              </a:ext>
+            </a:extLst>
+          </p:cNvPr>
+          <p:cNvSpPr/>
+          <p:nvPr/>
+        </p:nvSpPr>
+        <p:spPr>
+          <a:xfrm>
+            <a:off x="16194387" y="323561"/>
+            <a:ext cx="914400" cy="914400"/>
+          </a:xfrm>
+          <a:prstGeom prst="rect">
+            <a:avLst/>
+          </a:prstGeom>
+        </p:spPr>
+        <p:style>
+          <a:lnRef idx="2">
+            <a:schemeClr val="accent1">
+              <a:shade val="50000"/>
+            </a:schemeClr>
+          </a:lnRef>
+          <a:fillRef idx="1">
+            <a:schemeClr val="accent1"/>
+          </a:fillRef>
+          <a:effectRef idx="0">
+            <a:schemeClr val="accent1"/>
+          </a:effectRef>
+          <a:fontRef idx="minor">
+            <a:schemeClr val="lt1"/>
+          </a:fontRef>
+        </p:style>
+        <p:txBody>
+          <a:bodyPr rtlCol="0" anchor="ctr"/>
+          <a:lstStyle/>
+          <a:p>
+            <a:pPr algn="ctr"/>
+            <a:endParaRPr lang="en-US"/>
+          </a:p>
+        </p:txBody>
+      </p:sp>
+      <p:sp>
+        <p:nvSpPr>
+          <p:cNvPr id="41" name="Rectangle 40">
+            <a:extLst>
+              <a:ext uri="{FF2B5EF4-FFF2-40B4-BE49-F238E27FC236}">
+                <a16:creationId xmlns:a16="http://schemas.microsoft.com/office/drawing/2014/main" id="{13743779-4BE6-4251-A3BC-9E9ACFF3EF42}"/>
+              </a:ext>
+            </a:extLst>
+          </p:cNvPr>
+          <p:cNvSpPr/>
+          <p:nvPr/>
+        </p:nvSpPr>
+        <p:spPr>
+          <a:xfrm>
+            <a:off x="14467340" y="-530246"/>
+            <a:ext cx="914400" cy="914400"/>
+          </a:xfrm>
+          <a:prstGeom prst="rect">
+            <a:avLst/>
+          </a:prstGeom>
+        </p:spPr>
+        <p:style>
+          <a:lnRef idx="2">
+            <a:schemeClr val="accent1">
+              <a:shade val="50000"/>
+            </a:schemeClr>
+          </a:lnRef>
+          <a:fillRef idx="1">
+            <a:schemeClr val="accent1"/>
+          </a:fillRef>
+          <a:effectRef idx="0">
+            <a:schemeClr val="accent1"/>
+          </a:effectRef>
+          <a:fontRef idx="minor">
+            <a:schemeClr val="lt1"/>
+          </a:fontRef>
+        </p:style>
+        <p:txBody>
+          <a:bodyPr rtlCol="0" anchor="ctr"/>
+          <a:lstStyle/>
+          <a:p>
+            <a:pPr algn="ctr"/>
+            <a:endParaRPr lang="en-US"/>
+          </a:p>
+        </p:txBody>
+      </p:sp>
+      <p:sp>
+        <p:nvSpPr>
+          <p:cNvPr id="42" name="Rectangle 41">
+            <a:extLst>
+              <a:ext uri="{FF2B5EF4-FFF2-40B4-BE49-F238E27FC236}">
+                <a16:creationId xmlns:a16="http://schemas.microsoft.com/office/drawing/2014/main" id="{6E4B2C64-0FA5-4B01-9C78-4C4F718CF6CB}"/>
+              </a:ext>
+            </a:extLst>
+          </p:cNvPr>
+          <p:cNvSpPr/>
+          <p:nvPr/>
+        </p:nvSpPr>
+        <p:spPr>
+          <a:xfrm>
+            <a:off x="14442756" y="323561"/>
+            <a:ext cx="914400" cy="914400"/>
+          </a:xfrm>
+          <a:prstGeom prst="rect">
+            <a:avLst/>
+          </a:prstGeom>
+        </p:spPr>
+        <p:style>
+          <a:lnRef idx="2">
+            <a:schemeClr val="accent1">
+              <a:shade val="50000"/>
+            </a:schemeClr>
+          </a:lnRef>
+          <a:fillRef idx="1">
+            <a:schemeClr val="accent1"/>
+          </a:fillRef>
+          <a:effectRef idx="0">
+            <a:schemeClr val="accent1"/>
+          </a:effectRef>
+          <a:fontRef idx="minor">
+            <a:schemeClr val="lt1"/>
+          </a:fontRef>
+        </p:style>
+        <p:txBody>
+          <a:bodyPr rtlCol="0" anchor="ctr"/>
+          <a:lstStyle/>
+          <a:p>
+            <a:pPr algn="ctr"/>
+            <a:endParaRPr lang="en-US"/>
+          </a:p>
+        </p:txBody>
+      </p:sp>
+      <p:sp>
+        <p:nvSpPr>
+          <p:cNvPr id="43" name="Rectangle 42">
+            <a:extLst>
+              <a:ext uri="{FF2B5EF4-FFF2-40B4-BE49-F238E27FC236}">
+                <a16:creationId xmlns:a16="http://schemas.microsoft.com/office/drawing/2014/main" id="{8E386794-815F-4A6E-9641-5F8429B4A898}"/>
+              </a:ext>
+            </a:extLst>
+          </p:cNvPr>
+          <p:cNvSpPr/>
+          <p:nvPr/>
+        </p:nvSpPr>
+        <p:spPr>
+          <a:xfrm>
+            <a:off x="16060757" y="1564498"/>
+            <a:ext cx="914400" cy="914400"/>
+          </a:xfrm>
+          <a:prstGeom prst="rect">
+            <a:avLst/>
+          </a:prstGeom>
+        </p:spPr>
+        <p:style>
+          <a:lnRef idx="2">
+            <a:schemeClr val="accent1">
+              <a:shade val="50000"/>
+            </a:schemeClr>
+          </a:lnRef>
+          <a:fillRef idx="1">
+            <a:schemeClr val="accent1"/>
+          </a:fillRef>
+          <a:effectRef idx="0">
+            <a:schemeClr val="accent1"/>
+          </a:effectRef>
+          <a:fontRef idx="minor">
+            <a:schemeClr val="lt1"/>
+          </a:fontRef>
+        </p:style>
+        <p:txBody>
+          <a:bodyPr rtlCol="0" anchor="ctr"/>
+          <a:lstStyle/>
+          <a:p>
+            <a:pPr algn="ctr"/>
+            <a:endParaRPr lang="en-US"/>
+          </a:p>
+        </p:txBody>
+      </p:sp>
+      <p:sp>
+        <p:nvSpPr>
+          <p:cNvPr id="44" name="Rectangle 43">
+            <a:extLst>
+              <a:ext uri="{FF2B5EF4-FFF2-40B4-BE49-F238E27FC236}">
+                <a16:creationId xmlns:a16="http://schemas.microsoft.com/office/drawing/2014/main" id="{D6157D38-13E4-467B-864C-F5575417C8CD}"/>
+              </a:ext>
+            </a:extLst>
+          </p:cNvPr>
+          <p:cNvSpPr/>
+          <p:nvPr/>
+        </p:nvSpPr>
+        <p:spPr>
+          <a:xfrm>
+            <a:off x="15164309" y="1564497"/>
+            <a:ext cx="914400" cy="914400"/>
+          </a:xfrm>
+          <a:prstGeom prst="rect">
+            <a:avLst/>
+          </a:prstGeom>
+        </p:spPr>
+        <p:style>
+          <a:lnRef idx="2">
+            <a:schemeClr val="accent1">
+              <a:shade val="50000"/>
+            </a:schemeClr>
+          </a:lnRef>
+          <a:fillRef idx="1">
+            <a:schemeClr val="accent1"/>
+          </a:fillRef>
+          <a:effectRef idx="0">
+            <a:schemeClr val="accent1"/>
+          </a:effectRef>
+          <a:fontRef idx="minor">
+            <a:schemeClr val="lt1"/>
+          </a:fontRef>
+        </p:style>
+        <p:txBody>
+          <a:bodyPr rtlCol="0" anchor="ctr"/>
+          <a:lstStyle/>
+          <a:p>
+            <a:pPr algn="ctr"/>
+            <a:endParaRPr lang="en-US"/>
+          </a:p>
+        </p:txBody>
+      </p:sp>
+      <p:sp>
+        <p:nvSpPr>
+          <p:cNvPr id="45" name="Rectangle 44">
+            <a:extLst>
+              <a:ext uri="{FF2B5EF4-FFF2-40B4-BE49-F238E27FC236}">
+                <a16:creationId xmlns:a16="http://schemas.microsoft.com/office/drawing/2014/main" id="{ADAFD7B2-9E69-4A9B-A10B-740A74E9206A}"/>
+              </a:ext>
+            </a:extLst>
+          </p:cNvPr>
+          <p:cNvSpPr/>
+          <p:nvPr/>
+        </p:nvSpPr>
+        <p:spPr>
+          <a:xfrm>
+            <a:off x="14267861" y="1539635"/>
+            <a:ext cx="914400" cy="914400"/>
+          </a:xfrm>
+          <a:prstGeom prst="rect">
+            <a:avLst/>
+          </a:prstGeom>
+        </p:spPr>
+        <p:style>
+          <a:lnRef idx="2">
+            <a:schemeClr val="accent1">
+              <a:shade val="50000"/>
+            </a:schemeClr>
+          </a:lnRef>
+          <a:fillRef idx="1">
+            <a:schemeClr val="accent1"/>
+          </a:fillRef>
+          <a:effectRef idx="0">
+            <a:schemeClr val="accent1"/>
+          </a:effectRef>
+          <a:fontRef idx="minor">
+            <a:schemeClr val="lt1"/>
+          </a:fontRef>
+        </p:style>
+        <p:txBody>
+          <a:bodyPr rtlCol="0" anchor="ctr"/>
+          <a:lstStyle/>
+          <a:p>
+            <a:pPr algn="ctr"/>
+            <a:endParaRPr lang="en-US"/>
+          </a:p>
+        </p:txBody>
+      </p:sp>
+      <p:sp>
+        <p:nvSpPr>
+          <p:cNvPr id="46" name="Rectangle 45">
+            <a:extLst>
+              <a:ext uri="{FF2B5EF4-FFF2-40B4-BE49-F238E27FC236}">
+                <a16:creationId xmlns:a16="http://schemas.microsoft.com/office/drawing/2014/main" id="{E199E050-6291-43DA-8727-DF389396E060}"/>
+              </a:ext>
+            </a:extLst>
+          </p:cNvPr>
+          <p:cNvSpPr/>
+          <p:nvPr/>
+        </p:nvSpPr>
+        <p:spPr>
+          <a:xfrm>
+            <a:off x="8953447" y="3393297"/>
+            <a:ext cx="914400" cy="914400"/>
+          </a:xfrm>
+          <a:prstGeom prst="rect">
+            <a:avLst/>
+          </a:prstGeom>
+        </p:spPr>
+        <p:style>
+          <a:lnRef idx="2">
+            <a:schemeClr val="accent1">
+              <a:shade val="50000"/>
+            </a:schemeClr>
+          </a:lnRef>
+          <a:fillRef idx="1">
+            <a:schemeClr val="accent1"/>
+          </a:fillRef>
+          <a:effectRef idx="0">
+            <a:schemeClr val="accent1"/>
+          </a:effectRef>
+          <a:fontRef idx="minor">
+            <a:schemeClr val="lt1"/>
+          </a:fontRef>
+        </p:style>
+        <p:txBody>
+          <a:bodyPr rtlCol="0" anchor="ctr"/>
+          <a:lstStyle/>
+          <a:p>
+            <a:pPr algn="ctr"/>
+            <a:endParaRPr lang="en-US"/>
+          </a:p>
+        </p:txBody>
+      </p:sp>
+      <p:sp>
+        <p:nvSpPr>
+          <p:cNvPr id="47" name="Rectangle 46">
+            <a:extLst>
+              <a:ext uri="{FF2B5EF4-FFF2-40B4-BE49-F238E27FC236}">
+                <a16:creationId xmlns:a16="http://schemas.microsoft.com/office/drawing/2014/main" id="{F20F2BB6-D1B5-4D48-A5E2-0235F1552003}"/>
+              </a:ext>
+            </a:extLst>
+          </p:cNvPr>
+          <p:cNvSpPr/>
+          <p:nvPr/>
+        </p:nvSpPr>
+        <p:spPr>
+          <a:xfrm>
+            <a:off x="9867847" y="2478897"/>
+            <a:ext cx="914400" cy="914400"/>
+          </a:xfrm>
+          <a:prstGeom prst="rect">
+            <a:avLst/>
+          </a:prstGeom>
+        </p:spPr>
+        <p:style>
+          <a:lnRef idx="2">
+            <a:schemeClr val="accent1">
+              <a:shade val="50000"/>
+            </a:schemeClr>
+          </a:lnRef>
+          <a:fillRef idx="1">
+            <a:schemeClr val="accent1"/>
+          </a:fillRef>
+          <a:effectRef idx="0">
+            <a:schemeClr val="accent1"/>
+          </a:effectRef>
+          <a:fontRef idx="minor">
+            <a:schemeClr val="lt1"/>
+          </a:fontRef>
+        </p:style>
+        <p:txBody>
+          <a:bodyPr rtlCol="0" anchor="ctr"/>
+          <a:lstStyle/>
+          <a:p>
+            <a:pPr algn="ctr"/>
+            <a:endParaRPr lang="en-US"/>
+          </a:p>
+        </p:txBody>
+      </p:sp>
+      <p:sp>
+        <p:nvSpPr>
+          <p:cNvPr id="48" name="Rectangle 47">
+            <a:extLst>
+              <a:ext uri="{FF2B5EF4-FFF2-40B4-BE49-F238E27FC236}">
+                <a16:creationId xmlns:a16="http://schemas.microsoft.com/office/drawing/2014/main" id="{341A2510-86E7-4052-90C9-BF2BF12BE7BE}"/>
+              </a:ext>
+            </a:extLst>
+          </p:cNvPr>
+          <p:cNvSpPr/>
+          <p:nvPr/>
+        </p:nvSpPr>
+        <p:spPr>
+          <a:xfrm>
+            <a:off x="8971399" y="2454035"/>
+            <a:ext cx="914400" cy="914400"/>
+          </a:xfrm>
+          <a:prstGeom prst="rect">
+            <a:avLst/>
+          </a:prstGeom>
+        </p:spPr>
+        <p:style>
+          <a:lnRef idx="2">
+            <a:schemeClr val="accent1">
+              <a:shade val="50000"/>
+            </a:schemeClr>
+          </a:lnRef>
+          <a:fillRef idx="1">
+            <a:schemeClr val="accent1"/>
+          </a:fillRef>
+          <a:effectRef idx="0">
+            <a:schemeClr val="accent1"/>
+          </a:effectRef>
+          <a:fontRef idx="minor">
+            <a:schemeClr val="lt1"/>
+          </a:fontRef>
+        </p:style>
+        <p:txBody>
+          <a:bodyPr rtlCol="0" anchor="ctr"/>
+          <a:lstStyle/>
+          <a:p>
+            <a:pPr algn="ctr"/>
+            <a:endParaRPr lang="en-US"/>
+          </a:p>
+        </p:txBody>
+      </p:sp>
+      <p:sp>
+        <p:nvSpPr>
+          <p:cNvPr id="49" name="Rectangle 48">
+            <a:extLst>
+              <a:ext uri="{FF2B5EF4-FFF2-40B4-BE49-F238E27FC236}">
+                <a16:creationId xmlns:a16="http://schemas.microsoft.com/office/drawing/2014/main" id="{210BD9A2-4212-4625-A7C9-F805192049A0}"/>
+              </a:ext>
+            </a:extLst>
+          </p:cNvPr>
+          <p:cNvSpPr/>
+          <p:nvPr/>
+        </p:nvSpPr>
+        <p:spPr>
+          <a:xfrm>
+            <a:off x="9843263" y="3332704"/>
+            <a:ext cx="914400" cy="914400"/>
+          </a:xfrm>
+          <a:prstGeom prst="rect">
+            <a:avLst/>
+          </a:prstGeom>
+        </p:spPr>
+        <p:style>
+          <a:lnRef idx="2">
+            <a:schemeClr val="accent1">
+              <a:shade val="50000"/>
+            </a:schemeClr>
+          </a:lnRef>
+          <a:fillRef idx="1">
+            <a:schemeClr val="accent1"/>
+          </a:fillRef>
+          <a:effectRef idx="0">
+            <a:schemeClr val="accent1"/>
+          </a:effectRef>
+          <a:fontRef idx="minor">
+            <a:schemeClr val="lt1"/>
+          </a:fontRef>
+        </p:style>
+        <p:txBody>
+          <a:bodyPr rtlCol="0" anchor="ctr"/>
+          <a:lstStyle/>
+          <a:p>
+            <a:pPr algn="ctr"/>
+            <a:endParaRPr lang="en-US"/>
+          </a:p>
+        </p:txBody>
+      </p:sp>
+      <p:sp>
+        <p:nvSpPr>
+          <p:cNvPr id="50" name="Rectangle 49">
+            <a:extLst>
+              <a:ext uri="{FF2B5EF4-FFF2-40B4-BE49-F238E27FC236}">
+                <a16:creationId xmlns:a16="http://schemas.microsoft.com/office/drawing/2014/main" id="{5AAF8FC7-DDA1-439E-9FED-F95312C7F920}"/>
+              </a:ext>
+            </a:extLst>
+          </p:cNvPr>
+          <p:cNvSpPr/>
+          <p:nvPr/>
+        </p:nvSpPr>
+        <p:spPr>
+          <a:xfrm>
+            <a:off x="11798960" y="3167719"/>
+            <a:ext cx="914400" cy="914400"/>
+          </a:xfrm>
+          <a:prstGeom prst="rect">
+            <a:avLst/>
+          </a:prstGeom>
+        </p:spPr>
+        <p:style>
+          <a:lnRef idx="2">
+            <a:schemeClr val="accent1">
+              <a:shade val="50000"/>
+            </a:schemeClr>
+          </a:lnRef>
+          <a:fillRef idx="1">
+            <a:schemeClr val="accent1"/>
+          </a:fillRef>
+          <a:effectRef idx="0">
+            <a:schemeClr val="accent1"/>
+          </a:effectRef>
+          <a:fontRef idx="minor">
+            <a:schemeClr val="lt1"/>
+          </a:fontRef>
+        </p:style>
+        <p:txBody>
+          <a:bodyPr rtlCol="0" anchor="ctr"/>
+          <a:lstStyle/>
+          <a:p>
+            <a:pPr algn="ctr"/>
+            <a:endParaRPr lang="en-US"/>
+          </a:p>
+        </p:txBody>
+      </p:sp>
+      <p:sp>
+        <p:nvSpPr>
+          <p:cNvPr id="51" name="Rectangle 50">
+            <a:extLst>
+              <a:ext uri="{FF2B5EF4-FFF2-40B4-BE49-F238E27FC236}">
+                <a16:creationId xmlns:a16="http://schemas.microsoft.com/office/drawing/2014/main" id="{BECE5593-1046-46B3-AD6A-E66CA499E9A3}"/>
+              </a:ext>
+            </a:extLst>
+          </p:cNvPr>
+          <p:cNvSpPr/>
+          <p:nvPr/>
+        </p:nvSpPr>
+        <p:spPr>
+          <a:xfrm>
+            <a:off x="11767336" y="4026595"/>
+            <a:ext cx="914400" cy="914400"/>
+          </a:xfrm>
+          <a:prstGeom prst="rect">
+            <a:avLst/>
+          </a:prstGeom>
+        </p:spPr>
+        <p:style>
+          <a:lnRef idx="2">
+            <a:schemeClr val="accent1">
+              <a:shade val="50000"/>
+            </a:schemeClr>
+          </a:lnRef>
+          <a:fillRef idx="1">
+            <a:schemeClr val="accent1"/>
+          </a:fillRef>
+          <a:effectRef idx="0">
+            <a:schemeClr val="accent1"/>
+          </a:effectRef>
+          <a:fontRef idx="minor">
+            <a:schemeClr val="lt1"/>
+          </a:fontRef>
+        </p:style>
+        <p:txBody>
+          <a:bodyPr rtlCol="0" anchor="ctr"/>
+          <a:lstStyle/>
+          <a:p>
+            <a:pPr algn="ctr"/>
+            <a:endParaRPr lang="en-US"/>
+          </a:p>
+        </p:txBody>
+      </p:sp>
+      <p:sp>
+        <p:nvSpPr>
+          <p:cNvPr id="52" name="Rectangle 51">
+            <a:extLst>
+              <a:ext uri="{FF2B5EF4-FFF2-40B4-BE49-F238E27FC236}">
+                <a16:creationId xmlns:a16="http://schemas.microsoft.com/office/drawing/2014/main" id="{B7EBDB47-479B-460E-9A92-88857A4CDCCC}"/>
+              </a:ext>
+            </a:extLst>
+          </p:cNvPr>
+          <p:cNvSpPr/>
+          <p:nvPr/>
+        </p:nvSpPr>
+        <p:spPr>
+          <a:xfrm>
+            <a:off x="11816912" y="2228457"/>
+            <a:ext cx="914400" cy="914400"/>
+          </a:xfrm>
+          <a:prstGeom prst="rect">
+            <a:avLst/>
+          </a:prstGeom>
+        </p:spPr>
+        <p:style>
+          <a:lnRef idx="2">
+            <a:schemeClr val="accent1">
+              <a:shade val="50000"/>
+            </a:schemeClr>
+          </a:lnRef>
+          <a:fillRef idx="1">
+            <a:schemeClr val="accent1"/>
+          </a:fillRef>
+          <a:effectRef idx="0">
+            <a:schemeClr val="accent1"/>
+          </a:effectRef>
+          <a:fontRef idx="minor">
+            <a:schemeClr val="lt1"/>
+          </a:fontRef>
+        </p:style>
+        <p:txBody>
+          <a:bodyPr rtlCol="0" anchor="ctr"/>
+          <a:lstStyle/>
+          <a:p>
+            <a:pPr algn="ctr"/>
+            <a:endParaRPr lang="en-US"/>
+          </a:p>
+        </p:txBody>
+      </p:sp>
+      <p:sp>
+        <p:nvSpPr>
+          <p:cNvPr id="53" name="Rectangle 52">
+            <a:extLst>
+              <a:ext uri="{FF2B5EF4-FFF2-40B4-BE49-F238E27FC236}">
+                <a16:creationId xmlns:a16="http://schemas.microsoft.com/office/drawing/2014/main" id="{6C2B2266-307A-4E8D-9054-62B176F2BB26}"/>
+              </a:ext>
+            </a:extLst>
+          </p:cNvPr>
+          <p:cNvSpPr/>
+          <p:nvPr/>
+        </p:nvSpPr>
+        <p:spPr>
+          <a:xfrm>
+            <a:off x="12645832" y="3991231"/>
+            <a:ext cx="914400" cy="914400"/>
+          </a:xfrm>
+          <a:prstGeom prst="rect">
+            <a:avLst/>
+          </a:prstGeom>
+        </p:spPr>
+        <p:style>
+          <a:lnRef idx="2">
+            <a:schemeClr val="accent1">
+              <a:shade val="50000"/>
+            </a:schemeClr>
+          </a:lnRef>
+          <a:fillRef idx="1">
+            <a:schemeClr val="accent1"/>
+          </a:fillRef>
+          <a:effectRef idx="0">
+            <a:schemeClr val="accent1"/>
+          </a:effectRef>
+          <a:fontRef idx="minor">
+            <a:schemeClr val="lt1"/>
+          </a:fontRef>
+        </p:style>
+        <p:txBody>
+          <a:bodyPr rtlCol="0" anchor="ctr"/>
+          <a:lstStyle/>
+          <a:p>
+            <a:pPr algn="ctr"/>
+            <a:endParaRPr lang="en-US"/>
+          </a:p>
+        </p:txBody>
+      </p:sp>
+      <p:sp>
+        <p:nvSpPr>
+          <p:cNvPr id="54" name="Rectangle 53">
+            <a:extLst>
+              <a:ext uri="{FF2B5EF4-FFF2-40B4-BE49-F238E27FC236}">
+                <a16:creationId xmlns:a16="http://schemas.microsoft.com/office/drawing/2014/main" id="{E348EBC1-FAF7-4069-A39E-9C77CDD6D96F}"/>
+              </a:ext>
+            </a:extLst>
+          </p:cNvPr>
+          <p:cNvSpPr/>
+          <p:nvPr/>
+        </p:nvSpPr>
+        <p:spPr>
+          <a:xfrm>
+            <a:off x="13932971" y="6535571"/>
+            <a:ext cx="914400" cy="914400"/>
+          </a:xfrm>
+          <a:prstGeom prst="rect">
+            <a:avLst/>
+          </a:prstGeom>
+        </p:spPr>
+        <p:style>
+          <a:lnRef idx="2">
+            <a:schemeClr val="accent1">
+              <a:shade val="50000"/>
+            </a:schemeClr>
+          </a:lnRef>
+          <a:fillRef idx="1">
+            <a:schemeClr val="accent1"/>
+          </a:fillRef>
+          <a:effectRef idx="0">
+            <a:schemeClr val="accent1"/>
+          </a:effectRef>
+          <a:fontRef idx="minor">
+            <a:schemeClr val="lt1"/>
+          </a:fontRef>
+        </p:style>
+        <p:txBody>
+          <a:bodyPr rtlCol="0" anchor="ctr"/>
+          <a:lstStyle/>
+          <a:p>
+            <a:pPr algn="ctr"/>
+            <a:endParaRPr lang="en-US"/>
+          </a:p>
+        </p:txBody>
+      </p:sp>
+      <p:sp>
+        <p:nvSpPr>
+          <p:cNvPr id="55" name="Rectangle 54">
+            <a:extLst>
+              <a:ext uri="{FF2B5EF4-FFF2-40B4-BE49-F238E27FC236}">
+                <a16:creationId xmlns:a16="http://schemas.microsoft.com/office/drawing/2014/main" id="{4E007A7A-6FDE-4C26-8F14-2D92F184C651}"/>
+              </a:ext>
+            </a:extLst>
+          </p:cNvPr>
+          <p:cNvSpPr/>
+          <p:nvPr/>
+        </p:nvSpPr>
+        <p:spPr>
+          <a:xfrm>
+            <a:off x="14847371" y="7462305"/>
+            <a:ext cx="914400" cy="914400"/>
+          </a:xfrm>
+          <a:prstGeom prst="rect">
+            <a:avLst/>
+          </a:prstGeom>
+        </p:spPr>
+        <p:style>
+          <a:lnRef idx="2">
+            <a:schemeClr val="accent1">
+              <a:shade val="50000"/>
+            </a:schemeClr>
+          </a:lnRef>
+          <a:fillRef idx="1">
+            <a:schemeClr val="accent1"/>
+          </a:fillRef>
+          <a:effectRef idx="0">
+            <a:schemeClr val="accent1"/>
+          </a:effectRef>
+          <a:fontRef idx="minor">
+            <a:schemeClr val="lt1"/>
+          </a:fontRef>
+        </p:style>
+        <p:txBody>
+          <a:bodyPr rtlCol="0" anchor="ctr"/>
+          <a:lstStyle/>
+          <a:p>
+            <a:pPr algn="ctr"/>
+            <a:endParaRPr lang="en-US"/>
+          </a:p>
+        </p:txBody>
+      </p:sp>
+      <p:sp>
+        <p:nvSpPr>
+          <p:cNvPr id="56" name="Rectangle 55">
+            <a:extLst>
+              <a:ext uri="{FF2B5EF4-FFF2-40B4-BE49-F238E27FC236}">
+                <a16:creationId xmlns:a16="http://schemas.microsoft.com/office/drawing/2014/main" id="{A19FA9BB-0EB0-4AC9-A113-7670C235CFEB}"/>
+              </a:ext>
+            </a:extLst>
+          </p:cNvPr>
+          <p:cNvSpPr/>
+          <p:nvPr/>
+        </p:nvSpPr>
+        <p:spPr>
+          <a:xfrm>
+            <a:off x="14865323" y="6523043"/>
+            <a:ext cx="914400" cy="914400"/>
+          </a:xfrm>
+          <a:prstGeom prst="rect">
+            <a:avLst/>
+          </a:prstGeom>
+        </p:spPr>
+        <p:style>
+          <a:lnRef idx="2">
+            <a:schemeClr val="accent1">
+              <a:shade val="50000"/>
+            </a:schemeClr>
+          </a:lnRef>
+          <a:fillRef idx="1">
+            <a:schemeClr val="accent1"/>
+          </a:fillRef>
+          <a:effectRef idx="0">
+            <a:schemeClr val="accent1"/>
+          </a:effectRef>
+          <a:fontRef idx="minor">
+            <a:schemeClr val="lt1"/>
+          </a:fontRef>
+        </p:style>
+        <p:txBody>
+          <a:bodyPr rtlCol="0" anchor="ctr"/>
+          <a:lstStyle/>
+          <a:p>
+            <a:pPr algn="ctr"/>
+            <a:endParaRPr lang="en-US"/>
+          </a:p>
+        </p:txBody>
+      </p:sp>
+      <p:sp>
+        <p:nvSpPr>
+          <p:cNvPr id="57" name="Rectangle 56">
+            <a:extLst>
+              <a:ext uri="{FF2B5EF4-FFF2-40B4-BE49-F238E27FC236}">
+                <a16:creationId xmlns:a16="http://schemas.microsoft.com/office/drawing/2014/main" id="{52171184-5F4A-47A9-B386-2807F12A3EB3}"/>
+              </a:ext>
+            </a:extLst>
+          </p:cNvPr>
+          <p:cNvSpPr/>
+          <p:nvPr/>
+        </p:nvSpPr>
+        <p:spPr>
+          <a:xfrm>
+            <a:off x="14828190" y="8297032"/>
+            <a:ext cx="914400" cy="914400"/>
+          </a:xfrm>
+          <a:prstGeom prst="rect">
+            <a:avLst/>
+          </a:prstGeom>
+        </p:spPr>
+        <p:style>
+          <a:lnRef idx="2">
+            <a:schemeClr val="accent1">
+              <a:shade val="50000"/>
+            </a:schemeClr>
+          </a:lnRef>
+          <a:fillRef idx="1">
+            <a:schemeClr val="accent1"/>
+          </a:fillRef>
+          <a:effectRef idx="0">
+            <a:schemeClr val="accent1"/>
+          </a:effectRef>
+          <a:fontRef idx="minor">
+            <a:schemeClr val="lt1"/>
+          </a:fontRef>
+        </p:style>
+        <p:txBody>
+          <a:bodyPr rtlCol="0" anchor="ctr"/>
+          <a:lstStyle/>
+          <a:p>
+            <a:pPr algn="ctr"/>
+            <a:endParaRPr lang="en-US"/>
+          </a:p>
+        </p:txBody>
+      </p:sp>
+      <p:sp>
+        <p:nvSpPr>
+          <p:cNvPr id="58" name="Rectangle 57">
+            <a:extLst>
+              <a:ext uri="{FF2B5EF4-FFF2-40B4-BE49-F238E27FC236}">
+                <a16:creationId xmlns:a16="http://schemas.microsoft.com/office/drawing/2014/main" id="{E152121A-EE34-4CE9-82B5-B7DC2E19374E}"/>
+              </a:ext>
+            </a:extLst>
+          </p:cNvPr>
+          <p:cNvSpPr/>
+          <p:nvPr/>
+        </p:nvSpPr>
+        <p:spPr>
+          <a:xfrm>
+            <a:off x="11361138" y="8243066"/>
+            <a:ext cx="914400" cy="914400"/>
+          </a:xfrm>
+          <a:prstGeom prst="rect">
+            <a:avLst/>
+          </a:prstGeom>
+        </p:spPr>
+        <p:style>
+          <a:lnRef idx="2">
+            <a:schemeClr val="accent1">
+              <a:shade val="50000"/>
+            </a:schemeClr>
+          </a:lnRef>
+          <a:fillRef idx="1">
+            <a:schemeClr val="accent1"/>
+          </a:fillRef>
+          <a:effectRef idx="0">
+            <a:schemeClr val="accent1"/>
+          </a:effectRef>
+          <a:fontRef idx="minor">
+            <a:schemeClr val="lt1"/>
+          </a:fontRef>
+        </p:style>
+        <p:txBody>
+          <a:bodyPr rtlCol="0" anchor="ctr"/>
+          <a:lstStyle/>
+          <a:p>
+            <a:pPr algn="ctr"/>
+            <a:endParaRPr lang="en-US"/>
+          </a:p>
+        </p:txBody>
+      </p:sp>
+      <p:sp>
+        <p:nvSpPr>
+          <p:cNvPr id="59" name="Rectangle 58">
+            <a:extLst>
+              <a:ext uri="{FF2B5EF4-FFF2-40B4-BE49-F238E27FC236}">
+                <a16:creationId xmlns:a16="http://schemas.microsoft.com/office/drawing/2014/main" id="{3B65703A-797A-4A07-B99D-D002EB0E11AE}"/>
+              </a:ext>
+            </a:extLst>
+          </p:cNvPr>
+          <p:cNvSpPr/>
+          <p:nvPr/>
+        </p:nvSpPr>
+        <p:spPr>
+          <a:xfrm>
+            <a:off x="11348695" y="7316966"/>
+            <a:ext cx="914400" cy="914400"/>
+          </a:xfrm>
+          <a:prstGeom prst="rect">
+            <a:avLst/>
+          </a:prstGeom>
+        </p:spPr>
+        <p:style>
+          <a:lnRef idx="2">
+            <a:schemeClr val="accent1">
+              <a:shade val="50000"/>
+            </a:schemeClr>
+          </a:lnRef>
+          <a:fillRef idx="1">
+            <a:schemeClr val="accent1"/>
+          </a:fillRef>
+          <a:effectRef idx="0">
+            <a:schemeClr val="accent1"/>
+          </a:effectRef>
+          <a:fontRef idx="minor">
+            <a:schemeClr val="lt1"/>
+          </a:fontRef>
+        </p:style>
+        <p:txBody>
+          <a:bodyPr rtlCol="0" anchor="ctr"/>
+          <a:lstStyle/>
+          <a:p>
+            <a:pPr algn="ctr"/>
+            <a:endParaRPr lang="en-US"/>
+          </a:p>
+        </p:txBody>
+      </p:sp>
+      <p:sp>
+        <p:nvSpPr>
+          <p:cNvPr id="60" name="Rectangle 59">
+            <a:extLst>
+              <a:ext uri="{FF2B5EF4-FFF2-40B4-BE49-F238E27FC236}">
+                <a16:creationId xmlns:a16="http://schemas.microsoft.com/office/drawing/2014/main" id="{8E1653C7-0875-43AE-966F-664A4833DECB}"/>
+              </a:ext>
+            </a:extLst>
+          </p:cNvPr>
+          <p:cNvSpPr/>
+          <p:nvPr/>
+        </p:nvSpPr>
+        <p:spPr>
+          <a:xfrm>
+            <a:off x="11341760" y="6489449"/>
+            <a:ext cx="914400" cy="914400"/>
+          </a:xfrm>
+          <a:prstGeom prst="rect">
+            <a:avLst/>
+          </a:prstGeom>
+        </p:spPr>
+        <p:style>
+          <a:lnRef idx="2">
+            <a:schemeClr val="accent1">
+              <a:shade val="50000"/>
+            </a:schemeClr>
+          </a:lnRef>
+          <a:fillRef idx="1">
+            <a:schemeClr val="accent1"/>
+          </a:fillRef>
+          <a:effectRef idx="0">
+            <a:schemeClr val="accent1"/>
+          </a:effectRef>
+          <a:fontRef idx="minor">
+            <a:schemeClr val="lt1"/>
+          </a:fontRef>
+        </p:style>
+        <p:txBody>
+          <a:bodyPr rtlCol="0" anchor="ctr"/>
+          <a:lstStyle/>
+          <a:p>
+            <a:pPr algn="ctr"/>
+            <a:endParaRPr lang="en-US"/>
+          </a:p>
+        </p:txBody>
+      </p:sp>
+      <p:sp>
+        <p:nvSpPr>
+          <p:cNvPr id="61" name="Rectangle 60">
+            <a:extLst>
+              <a:ext uri="{FF2B5EF4-FFF2-40B4-BE49-F238E27FC236}">
+                <a16:creationId xmlns:a16="http://schemas.microsoft.com/office/drawing/2014/main" id="{2D777895-9998-4CD0-9D86-DF1F24D34578}"/>
+              </a:ext>
+            </a:extLst>
+          </p:cNvPr>
+          <p:cNvSpPr/>
+          <p:nvPr/>
+        </p:nvSpPr>
+        <p:spPr>
+          <a:xfrm>
+            <a:off x="7532175" y="8210233"/>
+            <a:ext cx="914400" cy="914400"/>
+          </a:xfrm>
+          <a:prstGeom prst="rect">
+            <a:avLst/>
+          </a:prstGeom>
+        </p:spPr>
+        <p:style>
+          <a:lnRef idx="2">
+            <a:schemeClr val="accent1">
+              <a:shade val="50000"/>
+            </a:schemeClr>
+          </a:lnRef>
+          <a:fillRef idx="1">
+            <a:schemeClr val="accent1"/>
+          </a:fillRef>
+          <a:effectRef idx="0">
+            <a:schemeClr val="accent1"/>
+          </a:effectRef>
+          <a:fontRef idx="minor">
+            <a:schemeClr val="lt1"/>
+          </a:fontRef>
+        </p:style>
+        <p:txBody>
+          <a:bodyPr rtlCol="0" anchor="ctr"/>
+          <a:lstStyle/>
+          <a:p>
+            <a:pPr algn="ctr"/>
+            <a:endParaRPr lang="en-US"/>
+          </a:p>
+        </p:txBody>
+      </p:sp>
+      <p:sp>
+        <p:nvSpPr>
+          <p:cNvPr id="62" name="Rectangle 61">
+            <a:extLst>
+              <a:ext uri="{FF2B5EF4-FFF2-40B4-BE49-F238E27FC236}">
+                <a16:creationId xmlns:a16="http://schemas.microsoft.com/office/drawing/2014/main" id="{2E1CAE7E-9627-459C-A411-AFF4B25DF7FB}"/>
+              </a:ext>
+            </a:extLst>
+          </p:cNvPr>
+          <p:cNvSpPr/>
+          <p:nvPr/>
+        </p:nvSpPr>
+        <p:spPr>
+          <a:xfrm>
+            <a:off x="7565223" y="7394745"/>
+            <a:ext cx="914400" cy="914400"/>
+          </a:xfrm>
+          <a:prstGeom prst="rect">
+            <a:avLst/>
+          </a:prstGeom>
+        </p:spPr>
+        <p:style>
+          <a:lnRef idx="2">
+            <a:schemeClr val="accent1">
+              <a:shade val="50000"/>
+            </a:schemeClr>
+          </a:lnRef>
+          <a:fillRef idx="1">
+            <a:schemeClr val="accent1"/>
+          </a:fillRef>
+          <a:effectRef idx="0">
+            <a:schemeClr val="accent1"/>
+          </a:effectRef>
+          <a:fontRef idx="minor">
+            <a:schemeClr val="lt1"/>
+          </a:fontRef>
+        </p:style>
+        <p:txBody>
+          <a:bodyPr rtlCol="0" anchor="ctr"/>
+          <a:lstStyle/>
+          <a:p>
+            <a:pPr algn="ctr"/>
+            <a:endParaRPr lang="en-US"/>
+          </a:p>
+        </p:txBody>
+      </p:sp>
+      <p:sp>
+        <p:nvSpPr>
+          <p:cNvPr id="63" name="Rectangle 62">
+            <a:extLst>
+              <a:ext uri="{FF2B5EF4-FFF2-40B4-BE49-F238E27FC236}">
+                <a16:creationId xmlns:a16="http://schemas.microsoft.com/office/drawing/2014/main" id="{9C212459-CF75-4457-8C84-73C0B6BC6C84}"/>
+              </a:ext>
+            </a:extLst>
+          </p:cNvPr>
+          <p:cNvSpPr/>
+          <p:nvPr/>
+        </p:nvSpPr>
+        <p:spPr>
+          <a:xfrm>
+            <a:off x="7598987" y="6535571"/>
+            <a:ext cx="914400" cy="914400"/>
+          </a:xfrm>
+          <a:prstGeom prst="rect">
+            <a:avLst/>
+          </a:prstGeom>
+        </p:spPr>
+        <p:style>
+          <a:lnRef idx="2">
+            <a:schemeClr val="accent1">
+              <a:shade val="50000"/>
+            </a:schemeClr>
+          </a:lnRef>
+          <a:fillRef idx="1">
+            <a:schemeClr val="accent1"/>
+          </a:fillRef>
+          <a:effectRef idx="0">
+            <a:schemeClr val="accent1"/>
+          </a:effectRef>
+          <a:fontRef idx="minor">
+            <a:schemeClr val="lt1"/>
+          </a:fontRef>
+        </p:style>
+        <p:txBody>
+          <a:bodyPr rtlCol="0" anchor="ctr"/>
+          <a:lstStyle/>
+          <a:p>
+            <a:pPr algn="ctr"/>
+            <a:endParaRPr lang="en-US"/>
+          </a:p>
+        </p:txBody>
+      </p:sp>
+      <p:sp>
+        <p:nvSpPr>
+          <p:cNvPr id="64" name="Rectangle 63">
+            <a:extLst>
+              <a:ext uri="{FF2B5EF4-FFF2-40B4-BE49-F238E27FC236}">
+                <a16:creationId xmlns:a16="http://schemas.microsoft.com/office/drawing/2014/main" id="{79CBB1E1-10BD-416A-BCA9-44C3BC2029C9}"/>
+              </a:ext>
+            </a:extLst>
+          </p:cNvPr>
+          <p:cNvSpPr/>
+          <p:nvPr/>
+        </p:nvSpPr>
+        <p:spPr>
+          <a:xfrm>
+            <a:off x="8522209" y="6547366"/>
+            <a:ext cx="914400" cy="914400"/>
+          </a:xfrm>
+          <a:prstGeom prst="rect">
+            <a:avLst/>
+          </a:prstGeom>
+        </p:spPr>
+        <p:style>
+          <a:lnRef idx="2">
+            <a:schemeClr val="accent1">
+              <a:shade val="50000"/>
+            </a:schemeClr>
+          </a:lnRef>
+          <a:fillRef idx="1">
+            <a:schemeClr val="accent1"/>
+          </a:fillRef>
+          <a:effectRef idx="0">
+            <a:schemeClr val="accent1"/>
+          </a:effectRef>
+          <a:fontRef idx="minor">
+            <a:schemeClr val="lt1"/>
+          </a:fontRef>
+        </p:style>
+        <p:txBody>
+          <a:bodyPr rtlCol="0" anchor="ctr"/>
+          <a:lstStyle/>
+          <a:p>
+            <a:pPr algn="ctr"/>
+            <a:endParaRPr lang="en-US"/>
+          </a:p>
+        </p:txBody>
+      </p:sp>
+      <p:sp>
+        <p:nvSpPr>
+          <p:cNvPr id="65" name="Rectangle 64">
+            <a:extLst>
+              <a:ext uri="{FF2B5EF4-FFF2-40B4-BE49-F238E27FC236}">
+                <a16:creationId xmlns:a16="http://schemas.microsoft.com/office/drawing/2014/main" id="{370E6D9E-382E-4401-A327-5DECB5CB7A6D}"/>
+              </a:ext>
+            </a:extLst>
+          </p:cNvPr>
+          <p:cNvSpPr/>
+          <p:nvPr/>
+        </p:nvSpPr>
+        <p:spPr>
+          <a:xfrm>
+            <a:off x="5547451" y="3635418"/>
+            <a:ext cx="914400" cy="914400"/>
+          </a:xfrm>
+          <a:prstGeom prst="rect">
+            <a:avLst/>
+          </a:prstGeom>
+        </p:spPr>
+        <p:style>
+          <a:lnRef idx="2">
+            <a:schemeClr val="accent1">
+              <a:shade val="50000"/>
+            </a:schemeClr>
+          </a:lnRef>
+          <a:fillRef idx="1">
+            <a:schemeClr val="accent1"/>
+          </a:fillRef>
+          <a:effectRef idx="0">
+            <a:schemeClr val="accent1"/>
+          </a:effectRef>
+          <a:fontRef idx="minor">
+            <a:schemeClr val="lt1"/>
+          </a:fontRef>
+        </p:style>
+        <p:txBody>
+          <a:bodyPr rtlCol="0" anchor="ctr"/>
+          <a:lstStyle/>
+          <a:p>
+            <a:pPr algn="ctr"/>
+            <a:endParaRPr lang="en-US"/>
+          </a:p>
+        </p:txBody>
+      </p:sp>
+      <p:sp>
+        <p:nvSpPr>
+          <p:cNvPr id="66" name="Rectangle 65">
+            <a:extLst>
+              <a:ext uri="{FF2B5EF4-FFF2-40B4-BE49-F238E27FC236}">
+                <a16:creationId xmlns:a16="http://schemas.microsoft.com/office/drawing/2014/main" id="{8C7AEA9E-7ECC-4BC5-9418-61D51E14072E}"/>
+              </a:ext>
+            </a:extLst>
+          </p:cNvPr>
+          <p:cNvSpPr/>
+          <p:nvPr/>
+        </p:nvSpPr>
+        <p:spPr>
+          <a:xfrm>
+            <a:off x="4651003" y="3635417"/>
+            <a:ext cx="914400" cy="914400"/>
+          </a:xfrm>
+          <a:prstGeom prst="rect">
+            <a:avLst/>
+          </a:prstGeom>
+        </p:spPr>
+        <p:style>
+          <a:lnRef idx="2">
+            <a:schemeClr val="accent1">
+              <a:shade val="50000"/>
+            </a:schemeClr>
+          </a:lnRef>
+          <a:fillRef idx="1">
+            <a:schemeClr val="accent1"/>
+          </a:fillRef>
+          <a:effectRef idx="0">
+            <a:schemeClr val="accent1"/>
+          </a:effectRef>
+          <a:fontRef idx="minor">
+            <a:schemeClr val="lt1"/>
+          </a:fontRef>
+        </p:style>
+        <p:txBody>
+          <a:bodyPr rtlCol="0" anchor="ctr"/>
+          <a:lstStyle/>
+          <a:p>
+            <a:pPr algn="ctr"/>
+            <a:endParaRPr lang="en-US"/>
+          </a:p>
+        </p:txBody>
+      </p:sp>
+      <p:sp>
+        <p:nvSpPr>
+          <p:cNvPr id="67" name="Rectangle 66">
+            <a:extLst>
+              <a:ext uri="{FF2B5EF4-FFF2-40B4-BE49-F238E27FC236}">
+                <a16:creationId xmlns:a16="http://schemas.microsoft.com/office/drawing/2014/main" id="{4EC947AC-504B-4E20-A64A-441C2912E75F}"/>
+              </a:ext>
+            </a:extLst>
+          </p:cNvPr>
+          <p:cNvSpPr/>
+          <p:nvPr/>
+        </p:nvSpPr>
+        <p:spPr>
+          <a:xfrm>
+            <a:off x="3754555" y="3610555"/>
+            <a:ext cx="914400" cy="914400"/>
+          </a:xfrm>
+          <a:prstGeom prst="rect">
+            <a:avLst/>
+          </a:prstGeom>
+        </p:spPr>
+        <p:style>
+          <a:lnRef idx="2">
+            <a:schemeClr val="accent1">
+              <a:shade val="50000"/>
+            </a:schemeClr>
+          </a:lnRef>
+          <a:fillRef idx="1">
+            <a:schemeClr val="accent1"/>
+          </a:fillRef>
+          <a:effectRef idx="0">
+            <a:schemeClr val="accent1"/>
+          </a:effectRef>
+          <a:fontRef idx="minor">
+            <a:schemeClr val="lt1"/>
+          </a:fontRef>
+        </p:style>
+        <p:txBody>
+          <a:bodyPr rtlCol="0" anchor="ctr"/>
+          <a:lstStyle/>
+          <a:p>
+            <a:pPr algn="ctr"/>
+            <a:endParaRPr lang="en-US"/>
+          </a:p>
+        </p:txBody>
+      </p:sp>
+      <p:sp>
+        <p:nvSpPr>
+          <p:cNvPr id="68" name="Rectangle 67">
+            <a:extLst>
+              <a:ext uri="{FF2B5EF4-FFF2-40B4-BE49-F238E27FC236}">
+                <a16:creationId xmlns:a16="http://schemas.microsoft.com/office/drawing/2014/main" id="{75C1426B-83CD-4397-AEC1-9C2FD2F84D6D}"/>
+              </a:ext>
+            </a:extLst>
+          </p:cNvPr>
+          <p:cNvSpPr/>
+          <p:nvPr/>
+        </p:nvSpPr>
+        <p:spPr>
+          <a:xfrm>
+            <a:off x="6428340" y="3660279"/>
+            <a:ext cx="914400" cy="914400"/>
+          </a:xfrm>
+          <a:prstGeom prst="rect">
+            <a:avLst/>
+          </a:prstGeom>
+        </p:spPr>
+        <p:style>
+          <a:lnRef idx="2">
+            <a:schemeClr val="accent1">
+              <a:shade val="50000"/>
+            </a:schemeClr>
+          </a:lnRef>
+          <a:fillRef idx="1">
+            <a:schemeClr val="accent1"/>
+          </a:fillRef>
+          <a:effectRef idx="0">
+            <a:schemeClr val="accent1"/>
+          </a:effectRef>
+          <a:fontRef idx="minor">
+            <a:schemeClr val="lt1"/>
+          </a:fontRef>
+        </p:style>
+        <p:txBody>
+          <a:bodyPr rtlCol="0" anchor="ctr"/>
+          <a:lstStyle/>
+          <a:p>
+            <a:pPr algn="ctr"/>
+            <a:endParaRPr lang="en-US"/>
+          </a:p>
+        </p:txBody>
+      </p:sp>
+      <p:sp>
+        <p:nvSpPr>
+          <p:cNvPr id="69" name="Rectangle 68">
+            <a:extLst>
+              <a:ext uri="{FF2B5EF4-FFF2-40B4-BE49-F238E27FC236}">
+                <a16:creationId xmlns:a16="http://schemas.microsoft.com/office/drawing/2014/main" id="{FBA891E0-810F-4B8D-AABC-81784AE08224}"/>
+              </a:ext>
+            </a:extLst>
+          </p:cNvPr>
+          <p:cNvSpPr/>
+          <p:nvPr/>
+        </p:nvSpPr>
+        <p:spPr>
+          <a:xfrm>
+            <a:off x="6728393" y="-1840773"/>
+            <a:ext cx="914400" cy="914400"/>
+          </a:xfrm>
+          <a:prstGeom prst="rect">
+            <a:avLst/>
+          </a:prstGeom>
+        </p:spPr>
+        <p:style>
+          <a:lnRef idx="2">
+            <a:schemeClr val="accent1">
+              <a:shade val="50000"/>
+            </a:schemeClr>
+          </a:lnRef>
+          <a:fillRef idx="1">
+            <a:schemeClr val="accent1"/>
+          </a:fillRef>
+          <a:effectRef idx="0">
+            <a:schemeClr val="accent1"/>
+          </a:effectRef>
+          <a:fontRef idx="minor">
+            <a:schemeClr val="lt1"/>
+          </a:fontRef>
+        </p:style>
+        <p:txBody>
+          <a:bodyPr rtlCol="0" anchor="ctr"/>
+          <a:lstStyle/>
+          <a:p>
+            <a:pPr algn="ctr"/>
+            <a:endParaRPr lang="en-US"/>
+          </a:p>
+        </p:txBody>
+      </p:sp>
+      <p:sp>
+        <p:nvSpPr>
+          <p:cNvPr id="70" name="Rectangle 69">
+            <a:extLst>
+              <a:ext uri="{FF2B5EF4-FFF2-40B4-BE49-F238E27FC236}">
+                <a16:creationId xmlns:a16="http://schemas.microsoft.com/office/drawing/2014/main" id="{3E0291D4-C77E-4609-B75A-60B304F7FB5D}"/>
+              </a:ext>
+            </a:extLst>
+          </p:cNvPr>
+          <p:cNvSpPr/>
+          <p:nvPr/>
+        </p:nvSpPr>
+        <p:spPr>
+          <a:xfrm>
+            <a:off x="3754555" y="878370"/>
+            <a:ext cx="914400" cy="914400"/>
+          </a:xfrm>
+          <a:prstGeom prst="rect">
+            <a:avLst/>
+          </a:prstGeom>
+        </p:spPr>
+        <p:style>
+          <a:lnRef idx="2">
+            <a:schemeClr val="accent1">
+              <a:shade val="50000"/>
+            </a:schemeClr>
+          </a:lnRef>
+          <a:fillRef idx="1">
+            <a:schemeClr val="accent1"/>
+          </a:fillRef>
+          <a:effectRef idx="0">
+            <a:schemeClr val="accent1"/>
+          </a:effectRef>
+          <a:fontRef idx="minor">
+            <a:schemeClr val="lt1"/>
+          </a:fontRef>
+        </p:style>
+        <p:txBody>
+          <a:bodyPr rtlCol="0" anchor="ctr"/>
+          <a:lstStyle/>
+          <a:p>
+            <a:pPr algn="ctr"/>
+            <a:endParaRPr lang="en-US"/>
+          </a:p>
+        </p:txBody>
+      </p:sp>
+      <p:sp>
+        <p:nvSpPr>
+          <p:cNvPr id="71" name="Rectangle 70">
+            <a:extLst>
+              <a:ext uri="{FF2B5EF4-FFF2-40B4-BE49-F238E27FC236}">
+                <a16:creationId xmlns:a16="http://schemas.microsoft.com/office/drawing/2014/main" id="{57DD98D6-2EED-42C2-805B-478BBBA3C650}"/>
+              </a:ext>
+            </a:extLst>
+          </p:cNvPr>
+          <p:cNvSpPr/>
+          <p:nvPr/>
+        </p:nvSpPr>
+        <p:spPr>
+          <a:xfrm>
+            <a:off x="3696257" y="-1049151"/>
+            <a:ext cx="914400" cy="914400"/>
+          </a:xfrm>
+          <a:prstGeom prst="rect">
+            <a:avLst/>
+          </a:prstGeom>
+        </p:spPr>
+        <p:style>
+          <a:lnRef idx="2">
+            <a:schemeClr val="accent1">
+              <a:shade val="50000"/>
+            </a:schemeClr>
+          </a:lnRef>
+          <a:fillRef idx="1">
+            <a:schemeClr val="accent1"/>
+          </a:fillRef>
+          <a:effectRef idx="0">
+            <a:schemeClr val="accent1"/>
+          </a:effectRef>
+          <a:fontRef idx="minor">
+            <a:schemeClr val="lt1"/>
+          </a:fontRef>
+        </p:style>
+        <p:txBody>
+          <a:bodyPr rtlCol="0" anchor="ctr"/>
+          <a:lstStyle/>
+          <a:p>
+            <a:pPr algn="ctr"/>
+            <a:endParaRPr lang="en-US"/>
+          </a:p>
+        </p:txBody>
+      </p:sp>
+      <p:sp>
+        <p:nvSpPr>
+          <p:cNvPr id="72" name="Rectangle 71">
+            <a:extLst>
+              <a:ext uri="{FF2B5EF4-FFF2-40B4-BE49-F238E27FC236}">
+                <a16:creationId xmlns:a16="http://schemas.microsoft.com/office/drawing/2014/main" id="{E7046E04-6108-436C-B856-C39A8DD4E3EE}"/>
+              </a:ext>
+            </a:extLst>
+          </p:cNvPr>
+          <p:cNvSpPr/>
+          <p:nvPr/>
+        </p:nvSpPr>
+        <p:spPr>
+          <a:xfrm>
+            <a:off x="3678604" y="-69804"/>
+            <a:ext cx="914400" cy="914400"/>
+          </a:xfrm>
+          <a:prstGeom prst="rect">
+            <a:avLst/>
+          </a:prstGeom>
+        </p:spPr>
+        <p:style>
+          <a:lnRef idx="2">
+            <a:schemeClr val="accent1">
+              <a:shade val="50000"/>
+            </a:schemeClr>
+          </a:lnRef>
+          <a:fillRef idx="1">
+            <a:schemeClr val="accent1"/>
+          </a:fillRef>
+          <a:effectRef idx="0">
+            <a:schemeClr val="accent1"/>
+          </a:effectRef>
+          <a:fontRef idx="minor">
+            <a:schemeClr val="lt1"/>
+          </a:fontRef>
+        </p:style>
+        <p:txBody>
+          <a:bodyPr rtlCol="0" anchor="ctr"/>
+          <a:lstStyle/>
+          <a:p>
+            <a:pPr algn="ctr"/>
+            <a:endParaRPr lang="en-US"/>
+          </a:p>
+        </p:txBody>
+      </p:sp>
+      <p:sp>
+        <p:nvSpPr>
+          <p:cNvPr id="73" name="Rectangle 72">
+            <a:extLst>
+              <a:ext uri="{FF2B5EF4-FFF2-40B4-BE49-F238E27FC236}">
+                <a16:creationId xmlns:a16="http://schemas.microsoft.com/office/drawing/2014/main" id="{78A0839B-0F6A-4180-B669-61559BAE7217}"/>
+              </a:ext>
+            </a:extLst>
+          </p:cNvPr>
+          <p:cNvSpPr/>
+          <p:nvPr/>
+        </p:nvSpPr>
+        <p:spPr>
+          <a:xfrm>
+            <a:off x="3721044" y="-1900691"/>
+            <a:ext cx="914400" cy="914400"/>
+          </a:xfrm>
+          <a:prstGeom prst="rect">
+            <a:avLst/>
+          </a:prstGeom>
+        </p:spPr>
+        <p:style>
+          <a:lnRef idx="2">
+            <a:schemeClr val="accent1">
+              <a:shade val="50000"/>
+            </a:schemeClr>
+          </a:lnRef>
+          <a:fillRef idx="1">
+            <a:schemeClr val="accent1"/>
+          </a:fillRef>
+          <a:effectRef idx="0">
+            <a:schemeClr val="accent1"/>
+          </a:effectRef>
+          <a:fontRef idx="minor">
+            <a:schemeClr val="lt1"/>
+          </a:fontRef>
+        </p:style>
+        <p:txBody>
+          <a:bodyPr rtlCol="0" anchor="ctr"/>
+          <a:lstStyle/>
+          <a:p>
+            <a:pPr algn="ctr"/>
+            <a:endParaRPr lang="en-US"/>
+          </a:p>
+        </p:txBody>
+      </p:sp>
+      <p:sp>
+        <p:nvSpPr>
+          <p:cNvPr id="74" name="Rectangle 73">
+            <a:extLst>
+              <a:ext uri="{FF2B5EF4-FFF2-40B4-BE49-F238E27FC236}">
+                <a16:creationId xmlns:a16="http://schemas.microsoft.com/office/drawing/2014/main" id="{2947778E-D451-49DA-81AB-3AFE9B51FA95}"/>
+              </a:ext>
+            </a:extLst>
+          </p:cNvPr>
+          <p:cNvSpPr/>
+          <p:nvPr/>
+        </p:nvSpPr>
+        <p:spPr>
+          <a:xfrm>
+            <a:off x="6683429" y="996357"/>
+            <a:ext cx="914400" cy="914400"/>
+          </a:xfrm>
+          <a:prstGeom prst="rect">
+            <a:avLst/>
+          </a:prstGeom>
+        </p:spPr>
+        <p:style>
+          <a:lnRef idx="2">
+            <a:schemeClr val="accent1">
+              <a:shade val="50000"/>
+            </a:schemeClr>
+          </a:lnRef>
+          <a:fillRef idx="1">
+            <a:schemeClr val="accent1"/>
+          </a:fillRef>
+          <a:effectRef idx="0">
+            <a:schemeClr val="accent1"/>
+          </a:effectRef>
+          <a:fontRef idx="minor">
+            <a:schemeClr val="lt1"/>
+          </a:fontRef>
+        </p:style>
+        <p:txBody>
+          <a:bodyPr rtlCol="0" anchor="ctr"/>
+          <a:lstStyle/>
+          <a:p>
+            <a:pPr algn="ctr"/>
+            <a:endParaRPr lang="en-US"/>
+          </a:p>
+        </p:txBody>
+      </p:sp>
+      <p:sp>
+        <p:nvSpPr>
+          <p:cNvPr id="75" name="Rectangle 74">
+            <a:extLst>
+              <a:ext uri="{FF2B5EF4-FFF2-40B4-BE49-F238E27FC236}">
+                <a16:creationId xmlns:a16="http://schemas.microsoft.com/office/drawing/2014/main" id="{7A32F032-6A54-4857-865D-7C855091E39B}"/>
+              </a:ext>
+            </a:extLst>
+          </p:cNvPr>
+          <p:cNvSpPr/>
+          <p:nvPr/>
+        </p:nvSpPr>
+        <p:spPr>
+          <a:xfrm>
+            <a:off x="6625131" y="-931164"/>
+            <a:ext cx="914400" cy="914400"/>
+          </a:xfrm>
+          <a:prstGeom prst="rect">
+            <a:avLst/>
+          </a:prstGeom>
+        </p:spPr>
+        <p:style>
+          <a:lnRef idx="2">
+            <a:schemeClr val="accent1">
+              <a:shade val="50000"/>
+            </a:schemeClr>
+          </a:lnRef>
+          <a:fillRef idx="1">
+            <a:schemeClr val="accent1"/>
+          </a:fillRef>
+          <a:effectRef idx="0">
+            <a:schemeClr val="accent1"/>
+          </a:effectRef>
+          <a:fontRef idx="minor">
+            <a:schemeClr val="lt1"/>
+          </a:fontRef>
+        </p:style>
+        <p:txBody>
+          <a:bodyPr rtlCol="0" anchor="ctr"/>
+          <a:lstStyle/>
+          <a:p>
+            <a:pPr algn="ctr"/>
+            <a:endParaRPr lang="en-US"/>
+          </a:p>
+        </p:txBody>
+      </p:sp>
+      <p:sp>
+        <p:nvSpPr>
+          <p:cNvPr id="76" name="Rectangle 75">
+            <a:extLst>
+              <a:ext uri="{FF2B5EF4-FFF2-40B4-BE49-F238E27FC236}">
+                <a16:creationId xmlns:a16="http://schemas.microsoft.com/office/drawing/2014/main" id="{6A514571-EFE0-4AB2-8043-0EA2F5E73A30}"/>
+              </a:ext>
+            </a:extLst>
+          </p:cNvPr>
+          <p:cNvSpPr/>
+          <p:nvPr/>
+        </p:nvSpPr>
+        <p:spPr>
+          <a:xfrm>
+            <a:off x="6607478" y="48183"/>
+            <a:ext cx="914400" cy="914400"/>
+          </a:xfrm>
+          <a:prstGeom prst="rect">
+            <a:avLst/>
+          </a:prstGeom>
+        </p:spPr>
+        <p:style>
+          <a:lnRef idx="2">
+            <a:schemeClr val="accent1">
+              <a:shade val="50000"/>
+            </a:schemeClr>
+          </a:lnRef>
+          <a:fillRef idx="1">
+            <a:schemeClr val="accent1"/>
+          </a:fillRef>
+          <a:effectRef idx="0">
+            <a:schemeClr val="accent1"/>
+          </a:effectRef>
+          <a:fontRef idx="minor">
+            <a:schemeClr val="lt1"/>
+          </a:fontRef>
+        </p:style>
+        <p:txBody>
+          <a:bodyPr rtlCol="0" anchor="ctr"/>
+          <a:lstStyle/>
+          <a:p>
+            <a:pPr algn="ctr"/>
+            <a:endParaRPr lang="en-US"/>
+          </a:p>
+        </p:txBody>
+      </p:sp>
+      <p:sp>
+        <p:nvSpPr>
+          <p:cNvPr id="77" name="Rectangle 76">
+            <a:extLst>
+              <a:ext uri="{FF2B5EF4-FFF2-40B4-BE49-F238E27FC236}">
+                <a16:creationId xmlns:a16="http://schemas.microsoft.com/office/drawing/2014/main" id="{33DF36B5-BEA0-4B36-833F-92196350FBF2}"/>
+              </a:ext>
+            </a:extLst>
+          </p:cNvPr>
+          <p:cNvSpPr/>
+          <p:nvPr/>
+        </p:nvSpPr>
+        <p:spPr>
+          <a:xfrm>
+            <a:off x="3808343" y="6451116"/>
+            <a:ext cx="914400" cy="914400"/>
+          </a:xfrm>
+          <a:prstGeom prst="rect">
+            <a:avLst/>
+          </a:prstGeom>
+        </p:spPr>
+        <p:style>
+          <a:lnRef idx="2">
+            <a:schemeClr val="accent1">
+              <a:shade val="50000"/>
+            </a:schemeClr>
+          </a:lnRef>
+          <a:fillRef idx="1">
+            <a:schemeClr val="accent1"/>
+          </a:fillRef>
+          <a:effectRef idx="0">
+            <a:schemeClr val="accent1"/>
+          </a:effectRef>
+          <a:fontRef idx="minor">
+            <a:schemeClr val="lt1"/>
+          </a:fontRef>
+        </p:style>
+        <p:txBody>
+          <a:bodyPr rtlCol="0" anchor="ctr"/>
+          <a:lstStyle/>
+          <a:p>
+            <a:pPr algn="ctr"/>
+            <a:endParaRPr lang="en-US"/>
+          </a:p>
+        </p:txBody>
+      </p:sp>
+      <p:sp>
+        <p:nvSpPr>
+          <p:cNvPr id="78" name="Rectangle 77">
+            <a:extLst>
+              <a:ext uri="{FF2B5EF4-FFF2-40B4-BE49-F238E27FC236}">
+                <a16:creationId xmlns:a16="http://schemas.microsoft.com/office/drawing/2014/main" id="{FB5FA909-3F27-4463-A091-82A04EEAD810}"/>
+              </a:ext>
+            </a:extLst>
+          </p:cNvPr>
+          <p:cNvSpPr/>
+          <p:nvPr/>
+        </p:nvSpPr>
+        <p:spPr>
+          <a:xfrm>
+            <a:off x="3750045" y="4523595"/>
+            <a:ext cx="914400" cy="914400"/>
+          </a:xfrm>
+          <a:prstGeom prst="rect">
+            <a:avLst/>
+          </a:prstGeom>
+        </p:spPr>
+        <p:style>
+          <a:lnRef idx="2">
+            <a:schemeClr val="accent1">
+              <a:shade val="50000"/>
+            </a:schemeClr>
+          </a:lnRef>
+          <a:fillRef idx="1">
+            <a:schemeClr val="accent1"/>
+          </a:fillRef>
+          <a:effectRef idx="0">
+            <a:schemeClr val="accent1"/>
+          </a:effectRef>
+          <a:fontRef idx="minor">
+            <a:schemeClr val="lt1"/>
+          </a:fontRef>
+        </p:style>
+        <p:txBody>
+          <a:bodyPr rtlCol="0" anchor="ctr"/>
+          <a:lstStyle/>
+          <a:p>
+            <a:pPr algn="ctr"/>
+            <a:endParaRPr lang="en-US"/>
+          </a:p>
+        </p:txBody>
+      </p:sp>
+      <p:sp>
+        <p:nvSpPr>
+          <p:cNvPr id="79" name="Rectangle 78">
+            <a:extLst>
+              <a:ext uri="{FF2B5EF4-FFF2-40B4-BE49-F238E27FC236}">
+                <a16:creationId xmlns:a16="http://schemas.microsoft.com/office/drawing/2014/main" id="{074F25C3-ECF2-4B40-BF12-632C550567B5}"/>
+              </a:ext>
+            </a:extLst>
+          </p:cNvPr>
+          <p:cNvSpPr/>
+          <p:nvPr/>
+        </p:nvSpPr>
+        <p:spPr>
+          <a:xfrm>
+            <a:off x="3732392" y="5502942"/>
+            <a:ext cx="914400" cy="914400"/>
+          </a:xfrm>
+          <a:prstGeom prst="rect">
+            <a:avLst/>
+          </a:prstGeom>
+        </p:spPr>
+        <p:style>
+          <a:lnRef idx="2">
+            <a:schemeClr val="accent1">
+              <a:shade val="50000"/>
+            </a:schemeClr>
+          </a:lnRef>
+          <a:fillRef idx="1">
+            <a:schemeClr val="accent1"/>
+          </a:fillRef>
+          <a:effectRef idx="0">
+            <a:schemeClr val="accent1"/>
+          </a:effectRef>
+          <a:fontRef idx="minor">
+            <a:schemeClr val="lt1"/>
+          </a:fontRef>
+        </p:style>
+        <p:txBody>
+          <a:bodyPr rtlCol="0" anchor="ctr"/>
+          <a:lstStyle/>
+          <a:p>
+            <a:pPr algn="ctr"/>
+            <a:endParaRPr lang="en-US"/>
+          </a:p>
+        </p:txBody>
+      </p:sp>
+      <p:sp>
+        <p:nvSpPr>
+          <p:cNvPr id="80" name="Rectangle 79">
+            <a:extLst>
+              <a:ext uri="{FF2B5EF4-FFF2-40B4-BE49-F238E27FC236}">
+                <a16:creationId xmlns:a16="http://schemas.microsoft.com/office/drawing/2014/main" id="{59AD603D-B6E6-45A8-9469-8833F3EF7C76}"/>
+              </a:ext>
+            </a:extLst>
+          </p:cNvPr>
+          <p:cNvSpPr/>
+          <p:nvPr/>
+        </p:nvSpPr>
+        <p:spPr>
+          <a:xfrm>
+            <a:off x="-1037584" y="7376377"/>
+            <a:ext cx="914400" cy="914400"/>
+          </a:xfrm>
+          <a:prstGeom prst="rect">
+            <a:avLst/>
+          </a:prstGeom>
+        </p:spPr>
+        <p:style>
+          <a:lnRef idx="2">
+            <a:schemeClr val="accent1">
+              <a:shade val="50000"/>
+            </a:schemeClr>
+          </a:lnRef>
+          <a:fillRef idx="1">
+            <a:schemeClr val="accent1"/>
+          </a:fillRef>
+          <a:effectRef idx="0">
+            <a:schemeClr val="accent1"/>
+          </a:effectRef>
+          <a:fontRef idx="minor">
+            <a:schemeClr val="lt1"/>
+          </a:fontRef>
+        </p:style>
+        <p:txBody>
+          <a:bodyPr rtlCol="0" anchor="ctr"/>
+          <a:lstStyle/>
+          <a:p>
+            <a:pPr algn="ctr"/>
+            <a:endParaRPr lang="en-US"/>
+          </a:p>
+        </p:txBody>
+      </p:sp>
+      <p:sp>
+        <p:nvSpPr>
+          <p:cNvPr id="81" name="Rectangle 80">
+            <a:extLst>
+              <a:ext uri="{FF2B5EF4-FFF2-40B4-BE49-F238E27FC236}">
+                <a16:creationId xmlns:a16="http://schemas.microsoft.com/office/drawing/2014/main" id="{D74ACF0F-BA5C-43E0-A215-76CC80AE57F1}"/>
+              </a:ext>
+            </a:extLst>
+          </p:cNvPr>
+          <p:cNvSpPr/>
+          <p:nvPr/>
+        </p:nvSpPr>
+        <p:spPr>
+          <a:xfrm>
+            <a:off x="-1095882" y="5448856"/>
+            <a:ext cx="914400" cy="914400"/>
+          </a:xfrm>
+          <a:prstGeom prst="rect">
+            <a:avLst/>
+          </a:prstGeom>
+        </p:spPr>
+        <p:style>
+          <a:lnRef idx="2">
+            <a:schemeClr val="accent1">
+              <a:shade val="50000"/>
+            </a:schemeClr>
+          </a:lnRef>
+          <a:fillRef idx="1">
+            <a:schemeClr val="accent1"/>
+          </a:fillRef>
+          <a:effectRef idx="0">
+            <a:schemeClr val="accent1"/>
+          </a:effectRef>
+          <a:fontRef idx="minor">
+            <a:schemeClr val="lt1"/>
+          </a:fontRef>
+        </p:style>
+        <p:txBody>
+          <a:bodyPr rtlCol="0" anchor="ctr"/>
+          <a:lstStyle/>
+          <a:p>
+            <a:pPr algn="ctr"/>
+            <a:endParaRPr lang="en-US"/>
+          </a:p>
+        </p:txBody>
+      </p:sp>
+      <p:sp>
+        <p:nvSpPr>
+          <p:cNvPr id="82" name="Rectangle 81">
+            <a:extLst>
+              <a:ext uri="{FF2B5EF4-FFF2-40B4-BE49-F238E27FC236}">
+                <a16:creationId xmlns:a16="http://schemas.microsoft.com/office/drawing/2014/main" id="{C4CAD5A9-F0CD-4565-8707-045012F14813}"/>
+              </a:ext>
+            </a:extLst>
+          </p:cNvPr>
+          <p:cNvSpPr/>
+          <p:nvPr/>
+        </p:nvSpPr>
+        <p:spPr>
+          <a:xfrm>
+            <a:off x="-1113535" y="6428203"/>
+            <a:ext cx="914400" cy="914400"/>
+          </a:xfrm>
+          <a:prstGeom prst="rect">
+            <a:avLst/>
+          </a:prstGeom>
+        </p:spPr>
+        <p:style>
+          <a:lnRef idx="2">
+            <a:schemeClr val="accent1">
+              <a:shade val="50000"/>
+            </a:schemeClr>
+          </a:lnRef>
+          <a:fillRef idx="1">
+            <a:schemeClr val="accent1"/>
+          </a:fillRef>
+          <a:effectRef idx="0">
+            <a:schemeClr val="accent1"/>
+          </a:effectRef>
+          <a:fontRef idx="minor">
+            <a:schemeClr val="lt1"/>
+          </a:fontRef>
+        </p:style>
+        <p:txBody>
+          <a:bodyPr rtlCol="0" anchor="ctr"/>
+          <a:lstStyle/>
+          <a:p>
+            <a:pPr algn="ctr"/>
+            <a:endParaRPr lang="en-US"/>
+          </a:p>
+        </p:txBody>
+      </p:sp>
+      <p:sp>
+        <p:nvSpPr>
+          <p:cNvPr id="83" name="Rectangle 82">
+            <a:extLst>
+              <a:ext uri="{FF2B5EF4-FFF2-40B4-BE49-F238E27FC236}">
+                <a16:creationId xmlns:a16="http://schemas.microsoft.com/office/drawing/2014/main" id="{AAD9F82E-7E75-4760-BEBB-1182162482DE}"/>
+              </a:ext>
+            </a:extLst>
+          </p:cNvPr>
+          <p:cNvSpPr/>
+          <p:nvPr/>
+        </p:nvSpPr>
+        <p:spPr>
+          <a:xfrm>
+            <a:off x="-307919" y="-555108"/>
+            <a:ext cx="914400" cy="914400"/>
+          </a:xfrm>
+          <a:prstGeom prst="rect">
+            <a:avLst/>
+          </a:prstGeom>
+        </p:spPr>
+        <p:style>
+          <a:lnRef idx="2">
+            <a:schemeClr val="accent1">
+              <a:shade val="50000"/>
+            </a:schemeClr>
+          </a:lnRef>
+          <a:fillRef idx="1">
+            <a:schemeClr val="accent1"/>
+          </a:fillRef>
+          <a:effectRef idx="0">
+            <a:schemeClr val="accent1"/>
+          </a:effectRef>
+          <a:fontRef idx="minor">
+            <a:schemeClr val="lt1"/>
+          </a:fontRef>
+        </p:style>
+        <p:txBody>
+          <a:bodyPr rtlCol="0" anchor="ctr"/>
+          <a:lstStyle/>
+          <a:p>
+            <a:pPr algn="ctr"/>
+            <a:endParaRPr lang="en-US"/>
+          </a:p>
+        </p:txBody>
+      </p:sp>
+      <p:sp>
+        <p:nvSpPr>
+          <p:cNvPr id="84" name="Rectangle 83">
+            <a:extLst>
+              <a:ext uri="{FF2B5EF4-FFF2-40B4-BE49-F238E27FC236}">
+                <a16:creationId xmlns:a16="http://schemas.microsoft.com/office/drawing/2014/main" id="{B696F21C-F62F-465A-ADAD-8F0412000F45}"/>
+              </a:ext>
+            </a:extLst>
+          </p:cNvPr>
+          <p:cNvSpPr/>
+          <p:nvPr/>
+        </p:nvSpPr>
+        <p:spPr>
+          <a:xfrm>
+            <a:off x="-1214837" y="-440190"/>
+            <a:ext cx="914400" cy="914400"/>
+          </a:xfrm>
+          <a:prstGeom prst="rect">
+            <a:avLst/>
+          </a:prstGeom>
+        </p:spPr>
+        <p:style>
+          <a:lnRef idx="2">
+            <a:schemeClr val="accent1">
+              <a:shade val="50000"/>
+            </a:schemeClr>
+          </a:lnRef>
+          <a:fillRef idx="1">
+            <a:schemeClr val="accent1"/>
+          </a:fillRef>
+          <a:effectRef idx="0">
+            <a:schemeClr val="accent1"/>
+          </a:effectRef>
+          <a:fontRef idx="minor">
+            <a:schemeClr val="lt1"/>
+          </a:fontRef>
+        </p:style>
+        <p:txBody>
+          <a:bodyPr rtlCol="0" anchor="ctr"/>
+          <a:lstStyle/>
+          <a:p>
+            <a:pPr algn="ctr"/>
+            <a:endParaRPr lang="en-US"/>
+          </a:p>
+        </p:txBody>
+      </p:sp>
+      <p:sp>
+        <p:nvSpPr>
+          <p:cNvPr id="85" name="Rectangle 84">
+            <a:extLst>
+              <a:ext uri="{FF2B5EF4-FFF2-40B4-BE49-F238E27FC236}">
+                <a16:creationId xmlns:a16="http://schemas.microsoft.com/office/drawing/2014/main" id="{1C31983A-F01D-494A-9F4E-2B8C5A8AD7BF}"/>
+              </a:ext>
+            </a:extLst>
+          </p:cNvPr>
+          <p:cNvSpPr/>
+          <p:nvPr/>
+        </p:nvSpPr>
+        <p:spPr>
+          <a:xfrm>
+            <a:off x="-1232490" y="539157"/>
+            <a:ext cx="914400" cy="914400"/>
+          </a:xfrm>
+          <a:prstGeom prst="rect">
+            <a:avLst/>
+          </a:prstGeom>
+        </p:spPr>
+        <p:style>
+          <a:lnRef idx="2">
+            <a:schemeClr val="accent1">
+              <a:shade val="50000"/>
+            </a:schemeClr>
+          </a:lnRef>
+          <a:fillRef idx="1">
+            <a:schemeClr val="accent1"/>
+          </a:fillRef>
+          <a:effectRef idx="0">
+            <a:schemeClr val="accent1"/>
+          </a:effectRef>
+          <a:fontRef idx="minor">
+            <a:schemeClr val="lt1"/>
+          </a:fontRef>
+        </p:style>
+        <p:txBody>
+          <a:bodyPr rtlCol="0" anchor="ctr"/>
+          <a:lstStyle/>
+          <a:p>
+            <a:pPr algn="ctr"/>
+            <a:endParaRPr lang="en-US"/>
+          </a:p>
+        </p:txBody>
+      </p:sp>
+      <p:sp>
+        <p:nvSpPr>
+          <p:cNvPr id="86" name="Rectangle 85">
+            <a:extLst>
+              <a:ext uri="{FF2B5EF4-FFF2-40B4-BE49-F238E27FC236}">
+                <a16:creationId xmlns:a16="http://schemas.microsoft.com/office/drawing/2014/main" id="{2F2B5C45-D31E-4048-B467-4001CDE15C9E}"/>
+              </a:ext>
+            </a:extLst>
+          </p:cNvPr>
+          <p:cNvSpPr/>
+          <p:nvPr/>
+        </p:nvSpPr>
+        <p:spPr>
+          <a:xfrm>
+            <a:off x="1435700" y="-897390"/>
+            <a:ext cx="914400" cy="914400"/>
+          </a:xfrm>
+          <a:prstGeom prst="rect">
+            <a:avLst/>
+          </a:prstGeom>
+        </p:spPr>
+        <p:style>
+          <a:lnRef idx="2">
+            <a:schemeClr val="accent1">
+              <a:shade val="50000"/>
+            </a:schemeClr>
+          </a:lnRef>
+          <a:fillRef idx="1">
+            <a:schemeClr val="accent1"/>
+          </a:fillRef>
+          <a:effectRef idx="0">
+            <a:schemeClr val="accent1"/>
+          </a:effectRef>
+          <a:fontRef idx="minor">
+            <a:schemeClr val="lt1"/>
+          </a:fontRef>
+        </p:style>
+        <p:txBody>
+          <a:bodyPr rtlCol="0" anchor="ctr"/>
+          <a:lstStyle/>
+          <a:p>
+            <a:pPr algn="ctr"/>
+            <a:endParaRPr lang="en-US"/>
+          </a:p>
+        </p:txBody>
+      </p:sp>
+      <p:sp>
+        <p:nvSpPr>
+          <p:cNvPr id="87" name="Rectangle 86">
+            <a:extLst>
+              <a:ext uri="{FF2B5EF4-FFF2-40B4-BE49-F238E27FC236}">
+                <a16:creationId xmlns:a16="http://schemas.microsoft.com/office/drawing/2014/main" id="{A785C73A-A5EE-4E58-A58A-192EF0AE944C}"/>
+              </a:ext>
+            </a:extLst>
+          </p:cNvPr>
+          <p:cNvSpPr/>
+          <p:nvPr/>
+        </p:nvSpPr>
+        <p:spPr>
+          <a:xfrm>
+            <a:off x="1455243" y="-1808751"/>
+            <a:ext cx="914400" cy="914400"/>
+          </a:xfrm>
+          <a:prstGeom prst="rect">
+            <a:avLst/>
+          </a:prstGeom>
+        </p:spPr>
+        <p:style>
+          <a:lnRef idx="2">
+            <a:schemeClr val="accent1">
+              <a:shade val="50000"/>
+            </a:schemeClr>
+          </a:lnRef>
+          <a:fillRef idx="1">
+            <a:schemeClr val="accent1"/>
+          </a:fillRef>
+          <a:effectRef idx="0">
+            <a:schemeClr val="accent1"/>
+          </a:effectRef>
+          <a:fontRef idx="minor">
+            <a:schemeClr val="lt1"/>
+          </a:fontRef>
+        </p:style>
+        <p:txBody>
+          <a:bodyPr rtlCol="0" anchor="ctr"/>
+          <a:lstStyle/>
+          <a:p>
+            <a:pPr algn="ctr"/>
+            <a:endParaRPr lang="en-US"/>
+          </a:p>
+        </p:txBody>
+      </p:sp>
+      <p:sp>
+        <p:nvSpPr>
+          <p:cNvPr id="88" name="Rectangle 87">
+            <a:extLst>
+              <a:ext uri="{FF2B5EF4-FFF2-40B4-BE49-F238E27FC236}">
+                <a16:creationId xmlns:a16="http://schemas.microsoft.com/office/drawing/2014/main" id="{3A5031B8-EC0D-4C44-AB0C-F0697AB2691B}"/>
+              </a:ext>
+            </a:extLst>
+          </p:cNvPr>
+          <p:cNvSpPr/>
+          <p:nvPr/>
+        </p:nvSpPr>
+        <p:spPr>
+          <a:xfrm>
+            <a:off x="1359956" y="841354"/>
+            <a:ext cx="914400" cy="914400"/>
+          </a:xfrm>
+          <a:prstGeom prst="rect">
+            <a:avLst/>
+          </a:prstGeom>
+        </p:spPr>
+        <p:style>
+          <a:lnRef idx="2">
+            <a:schemeClr val="accent1">
+              <a:shade val="50000"/>
+            </a:schemeClr>
+          </a:lnRef>
+          <a:fillRef idx="1">
+            <a:schemeClr val="accent1"/>
+          </a:fillRef>
+          <a:effectRef idx="0">
+            <a:schemeClr val="accent1"/>
+          </a:effectRef>
+          <a:fontRef idx="minor">
+            <a:schemeClr val="lt1"/>
+          </a:fontRef>
+        </p:style>
+        <p:txBody>
+          <a:bodyPr rtlCol="0" anchor="ctr"/>
+          <a:lstStyle/>
+          <a:p>
+            <a:pPr algn="ctr"/>
+            <a:endParaRPr lang="en-US"/>
+          </a:p>
+        </p:txBody>
+      </p:sp>
+      <p:sp>
+        <p:nvSpPr>
+          <p:cNvPr id="89" name="Rectangle 88">
+            <a:extLst>
+              <a:ext uri="{FF2B5EF4-FFF2-40B4-BE49-F238E27FC236}">
+                <a16:creationId xmlns:a16="http://schemas.microsoft.com/office/drawing/2014/main" id="{C100804A-A125-42D7-9C1B-32FF945730ED}"/>
+              </a:ext>
+            </a:extLst>
+          </p:cNvPr>
+          <p:cNvSpPr/>
+          <p:nvPr/>
+        </p:nvSpPr>
+        <p:spPr>
+          <a:xfrm>
+            <a:off x="1409753" y="1716661"/>
+            <a:ext cx="914400" cy="839477"/>
+          </a:xfrm>
+          <a:prstGeom prst="rect">
+            <a:avLst/>
+          </a:prstGeom>
+        </p:spPr>
+        <p:style>
+          <a:lnRef idx="2">
+            <a:schemeClr val="accent1">
+              <a:shade val="50000"/>
+            </a:schemeClr>
+          </a:lnRef>
+          <a:fillRef idx="1">
+            <a:schemeClr val="accent1"/>
+          </a:fillRef>
+          <a:effectRef idx="0">
+            <a:schemeClr val="accent1"/>
+          </a:effectRef>
+          <a:fontRef idx="minor">
+            <a:schemeClr val="lt1"/>
+          </a:fontRef>
+        </p:style>
+        <p:txBody>
+          <a:bodyPr rtlCol="0" anchor="ctr"/>
+          <a:lstStyle/>
+          <a:p>
+            <a:pPr algn="ctr"/>
+            <a:endParaRPr lang="en-US"/>
+          </a:p>
+        </p:txBody>
+      </p:sp>
+      <p:sp>
+        <p:nvSpPr>
+          <p:cNvPr id="90" name="Rectangle 89">
+            <a:extLst>
+              <a:ext uri="{FF2B5EF4-FFF2-40B4-BE49-F238E27FC236}">
+                <a16:creationId xmlns:a16="http://schemas.microsoft.com/office/drawing/2014/main" id="{E0D142C5-6CCD-446E-99F4-B529D7D990AA}"/>
+              </a:ext>
+            </a:extLst>
+          </p:cNvPr>
+          <p:cNvSpPr/>
+          <p:nvPr/>
+        </p:nvSpPr>
+        <p:spPr>
+          <a:xfrm>
+            <a:off x="3740568" y="7361436"/>
+            <a:ext cx="914400" cy="914400"/>
+          </a:xfrm>
+          <a:prstGeom prst="rect">
+            <a:avLst/>
+          </a:prstGeom>
+        </p:spPr>
+        <p:style>
+          <a:lnRef idx="2">
+            <a:schemeClr val="accent1">
+              <a:shade val="50000"/>
+            </a:schemeClr>
+          </a:lnRef>
+          <a:fillRef idx="1">
+            <a:schemeClr val="accent1"/>
+          </a:fillRef>
+          <a:effectRef idx="0">
+            <a:schemeClr val="accent1"/>
+          </a:effectRef>
+          <a:fontRef idx="minor">
+            <a:schemeClr val="lt1"/>
+          </a:fontRef>
+        </p:style>
+        <p:txBody>
+          <a:bodyPr rtlCol="0" anchor="ctr"/>
+          <a:lstStyle/>
+          <a:p>
+            <a:pPr algn="ctr"/>
+            <a:endParaRPr lang="en-US"/>
+          </a:p>
+        </p:txBody>
+      </p:sp>
+      <p:sp>
+        <p:nvSpPr>
+          <p:cNvPr id="91" name="Rectangle 90">
+            <a:extLst>
+              <a:ext uri="{FF2B5EF4-FFF2-40B4-BE49-F238E27FC236}">
+                <a16:creationId xmlns:a16="http://schemas.microsoft.com/office/drawing/2014/main" id="{265144B8-8A8D-4265-85B2-A0375ADBA55C}"/>
+              </a:ext>
+            </a:extLst>
+          </p:cNvPr>
+          <p:cNvSpPr/>
+          <p:nvPr/>
+        </p:nvSpPr>
+        <p:spPr>
+          <a:xfrm>
+            <a:off x="5638800" y="7457555"/>
+            <a:ext cx="914400" cy="839477"/>
+          </a:xfrm>
+          <a:prstGeom prst="rect">
+            <a:avLst/>
+          </a:prstGeom>
+        </p:spPr>
+        <p:style>
+          <a:lnRef idx="2">
+            <a:schemeClr val="accent1">
+              <a:shade val="50000"/>
+            </a:schemeClr>
+          </a:lnRef>
+          <a:fillRef idx="1">
+            <a:schemeClr val="accent1"/>
+          </a:fillRef>
+          <a:effectRef idx="0">
+            <a:schemeClr val="accent1"/>
+          </a:effectRef>
+          <a:fontRef idx="minor">
+            <a:schemeClr val="lt1"/>
+          </a:fontRef>
+        </p:style>
+        <p:txBody>
+          <a:bodyPr rtlCol="0" anchor="ctr"/>
+          <a:lstStyle/>
+          <a:p>
+            <a:pPr algn="ctr"/>
+            <a:endParaRPr lang="en-US"/>
+          </a:p>
+        </p:txBody>
+      </p:sp>
+      <p:sp>
+        <p:nvSpPr>
+          <p:cNvPr id="92" name="Rectangle 91">
+            <a:extLst>
+              <a:ext uri="{FF2B5EF4-FFF2-40B4-BE49-F238E27FC236}">
+                <a16:creationId xmlns:a16="http://schemas.microsoft.com/office/drawing/2014/main" id="{600B04EF-569F-464B-927E-1E2B3A23BE85}"/>
+              </a:ext>
+            </a:extLst>
+          </p:cNvPr>
+          <p:cNvSpPr/>
+          <p:nvPr/>
+        </p:nvSpPr>
+        <p:spPr>
+          <a:xfrm>
+            <a:off x="1324767" y="7351941"/>
+            <a:ext cx="914400" cy="914400"/>
+          </a:xfrm>
+          <a:prstGeom prst="rect">
+            <a:avLst/>
+          </a:prstGeom>
+        </p:spPr>
+        <p:style>
+          <a:lnRef idx="2">
+            <a:schemeClr val="accent1">
+              <a:shade val="50000"/>
+            </a:schemeClr>
+          </a:lnRef>
+          <a:fillRef idx="1">
+            <a:schemeClr val="accent1"/>
+          </a:fillRef>
+          <a:effectRef idx="0">
+            <a:schemeClr val="accent1"/>
+          </a:effectRef>
+          <a:fontRef idx="minor">
+            <a:schemeClr val="lt1"/>
+          </a:fontRef>
+        </p:style>
+        <p:txBody>
+          <a:bodyPr rtlCol="0" anchor="ctr"/>
+          <a:lstStyle/>
+          <a:p>
+            <a:pPr algn="ctr"/>
+            <a:endParaRPr lang="en-US"/>
+          </a:p>
+        </p:txBody>
+      </p:sp>
+      <p:sp>
+        <p:nvSpPr>
+          <p:cNvPr id="93" name="Rectangle 92">
+            <a:extLst>
+              <a:ext uri="{FF2B5EF4-FFF2-40B4-BE49-F238E27FC236}">
+                <a16:creationId xmlns:a16="http://schemas.microsoft.com/office/drawing/2014/main" id="{B903D780-9F58-47C0-A069-B130443A4D1B}"/>
+              </a:ext>
+            </a:extLst>
+          </p:cNvPr>
+          <p:cNvSpPr/>
+          <p:nvPr/>
+        </p:nvSpPr>
+        <p:spPr>
+          <a:xfrm>
+            <a:off x="1374564" y="8227248"/>
+            <a:ext cx="914400" cy="839477"/>
+          </a:xfrm>
+          <a:prstGeom prst="rect">
+            <a:avLst/>
+          </a:prstGeom>
+        </p:spPr>
+        <p:style>
+          <a:lnRef idx="2">
+            <a:schemeClr val="accent1">
+              <a:shade val="50000"/>
+            </a:schemeClr>
+          </a:lnRef>
+          <a:fillRef idx="1">
+            <a:schemeClr val="accent1"/>
+          </a:fillRef>
+          <a:effectRef idx="0">
+            <a:schemeClr val="accent1"/>
+          </a:effectRef>
+          <a:fontRef idx="minor">
+            <a:schemeClr val="lt1"/>
+          </a:fontRef>
+        </p:style>
+        <p:txBody>
+          <a:bodyPr rtlCol="0" anchor="ctr"/>
+          <a:lstStyle/>
+          <a:p>
+            <a:pPr algn="ctr"/>
+            <a:endParaRPr lang="en-US"/>
+          </a:p>
+        </p:txBody>
+      </p:sp>
+      <p:sp>
+        <p:nvSpPr>
+          <p:cNvPr id="94" name="Rectangle 93">
+            <a:extLst>
+              <a:ext uri="{FF2B5EF4-FFF2-40B4-BE49-F238E27FC236}">
+                <a16:creationId xmlns:a16="http://schemas.microsoft.com/office/drawing/2014/main" id="{032335EB-5F5C-4CB8-9621-75D8E0D987BD}"/>
+              </a:ext>
+            </a:extLst>
+          </p:cNvPr>
+          <p:cNvSpPr/>
+          <p:nvPr/>
+        </p:nvSpPr>
+        <p:spPr>
+          <a:xfrm>
+            <a:off x="1315001" y="5621171"/>
+            <a:ext cx="914400" cy="914400"/>
+          </a:xfrm>
+          <a:prstGeom prst="rect">
+            <a:avLst/>
+          </a:prstGeom>
+        </p:spPr>
+        <p:style>
+          <a:lnRef idx="2">
+            <a:schemeClr val="accent1">
+              <a:shade val="50000"/>
+            </a:schemeClr>
+          </a:lnRef>
+          <a:fillRef idx="1">
+            <a:schemeClr val="accent1"/>
+          </a:fillRef>
+          <a:effectRef idx="0">
+            <a:schemeClr val="accent1"/>
+          </a:effectRef>
+          <a:fontRef idx="minor">
+            <a:schemeClr val="lt1"/>
+          </a:fontRef>
+        </p:style>
+        <p:txBody>
+          <a:bodyPr rtlCol="0" anchor="ctr"/>
+          <a:lstStyle/>
+          <a:p>
+            <a:pPr algn="ctr"/>
+            <a:endParaRPr lang="en-US"/>
+          </a:p>
+        </p:txBody>
+      </p:sp>
+      <p:sp>
+        <p:nvSpPr>
+          <p:cNvPr id="95" name="Rectangle 94">
+            <a:extLst>
+              <a:ext uri="{FF2B5EF4-FFF2-40B4-BE49-F238E27FC236}">
+                <a16:creationId xmlns:a16="http://schemas.microsoft.com/office/drawing/2014/main" id="{0A6FAFDE-C74B-481E-B4FC-AFF3B1CF1C53}"/>
+              </a:ext>
+            </a:extLst>
+          </p:cNvPr>
+          <p:cNvSpPr/>
+          <p:nvPr/>
+        </p:nvSpPr>
+        <p:spPr>
+          <a:xfrm>
+            <a:off x="1364798" y="6496478"/>
+            <a:ext cx="914400" cy="839477"/>
+          </a:xfrm>
+          <a:prstGeom prst="rect">
+            <a:avLst/>
+          </a:prstGeom>
+        </p:spPr>
+        <p:style>
+          <a:lnRef idx="2">
+            <a:schemeClr val="accent1">
+              <a:shade val="50000"/>
+            </a:schemeClr>
+          </a:lnRef>
+          <a:fillRef idx="1">
+            <a:schemeClr val="accent1"/>
+          </a:fillRef>
+          <a:effectRef idx="0">
+            <a:schemeClr val="accent1"/>
+          </a:effectRef>
+          <a:fontRef idx="minor">
+            <a:schemeClr val="lt1"/>
+          </a:fontRef>
+        </p:style>
+        <p:txBody>
+          <a:bodyPr rtlCol="0" anchor="ctr"/>
+          <a:lstStyle/>
+          <a:p>
+            <a:pPr algn="ctr"/>
+            <a:endParaRPr lang="en-US"/>
+          </a:p>
+        </p:txBody>
+      </p:sp>
+      <p:sp>
+        <p:nvSpPr>
+          <p:cNvPr id="96" name="Rectangle 95">
+            <a:extLst>
+              <a:ext uri="{FF2B5EF4-FFF2-40B4-BE49-F238E27FC236}">
+                <a16:creationId xmlns:a16="http://schemas.microsoft.com/office/drawing/2014/main" id="{478378C5-3DBB-4B73-9F7E-A4E81DF8E988}"/>
+              </a:ext>
+            </a:extLst>
+          </p:cNvPr>
+          <p:cNvSpPr/>
+          <p:nvPr/>
+        </p:nvSpPr>
+        <p:spPr>
+          <a:xfrm>
+            <a:off x="-330972" y="3855499"/>
+            <a:ext cx="914400" cy="914400"/>
+          </a:xfrm>
+          <a:prstGeom prst="rect">
+            <a:avLst/>
+          </a:prstGeom>
+        </p:spPr>
+        <p:style>
+          <a:lnRef idx="2">
+            <a:schemeClr val="accent1">
+              <a:shade val="50000"/>
+            </a:schemeClr>
+          </a:lnRef>
+          <a:fillRef idx="1">
+            <a:schemeClr val="accent1"/>
+          </a:fillRef>
+          <a:effectRef idx="0">
+            <a:schemeClr val="accent1"/>
+          </a:effectRef>
+          <a:fontRef idx="minor">
+            <a:schemeClr val="lt1"/>
+          </a:fontRef>
+        </p:style>
+        <p:txBody>
+          <a:bodyPr rtlCol="0" anchor="ctr"/>
+          <a:lstStyle/>
+          <a:p>
+            <a:pPr algn="ctr"/>
+            <a:endParaRPr lang="en-US"/>
+          </a:p>
+        </p:txBody>
+      </p:sp>
+      <p:sp>
+        <p:nvSpPr>
+          <p:cNvPr id="97" name="Rectangle 96">
+            <a:extLst>
+              <a:ext uri="{FF2B5EF4-FFF2-40B4-BE49-F238E27FC236}">
+                <a16:creationId xmlns:a16="http://schemas.microsoft.com/office/drawing/2014/main" id="{604097A3-F28F-40D2-96C9-8AA5817C0B91}"/>
+              </a:ext>
+            </a:extLst>
+          </p:cNvPr>
+          <p:cNvSpPr/>
+          <p:nvPr/>
+        </p:nvSpPr>
+        <p:spPr>
+          <a:xfrm>
+            <a:off x="-1240372" y="3860906"/>
+            <a:ext cx="914400" cy="839477"/>
+          </a:xfrm>
+          <a:prstGeom prst="rect">
+            <a:avLst/>
+          </a:prstGeom>
+        </p:spPr>
+        <p:style>
+          <a:lnRef idx="2">
+            <a:schemeClr val="accent1">
+              <a:shade val="50000"/>
+            </a:schemeClr>
+          </a:lnRef>
+          <a:fillRef idx="1">
+            <a:schemeClr val="accent1"/>
+          </a:fillRef>
+          <a:effectRef idx="0">
+            <a:schemeClr val="accent1"/>
+          </a:effectRef>
+          <a:fontRef idx="minor">
+            <a:schemeClr val="lt1"/>
+          </a:fontRef>
+        </p:style>
+        <p:txBody>
+          <a:bodyPr rtlCol="0" anchor="ctr"/>
+          <a:lstStyle/>
+          <a:p>
+            <a:pPr algn="ctr"/>
+            <a:endParaRPr lang="en-US"/>
+          </a:p>
+        </p:txBody>
+      </p:sp>
+      <p:sp>
+        <p:nvSpPr>
+          <p:cNvPr id="100" name="Rectangle 99">
+            <a:extLst>
+              <a:ext uri="{FF2B5EF4-FFF2-40B4-BE49-F238E27FC236}">
+                <a16:creationId xmlns:a16="http://schemas.microsoft.com/office/drawing/2014/main" id="{3CC749B9-4032-402F-AF16-80AC18128A4D}"/>
+              </a:ext>
+            </a:extLst>
+          </p:cNvPr>
+          <p:cNvSpPr/>
+          <p:nvPr/>
+        </p:nvSpPr>
+        <p:spPr>
+          <a:xfrm>
+            <a:off x="1369124" y="4884650"/>
+            <a:ext cx="914400" cy="914400"/>
           </a:xfrm>
           <a:prstGeom prst="rect">
             <a:avLst/>
@@ -4092,6 +6998,71 @@
     <p:extLst>
       <p:ext uri="{BB962C8B-B14F-4D97-AF65-F5344CB8AC3E}">
         <p14:creationId xmlns:p14="http://schemas.microsoft.com/office/powerpoint/2010/main" val="1562280388"/>
+      </p:ext>
+    </p:extLst>
+  </p:cSld>
+  <p:clrMapOvr>
+    <a:masterClrMapping/>
+  </p:clrMapOvr>
+</p:sld>
+</file>
+
+<file path=ppt/slides/slide2.xml><?xml version="1.0" encoding="utf-8"?>
+<p:sld xmlns:a="http://schemas.openxmlformats.org/drawingml/2006/main" xmlns:r="http://schemas.openxmlformats.org/officeDocument/2006/relationships" xmlns:p="http://schemas.openxmlformats.org/presentationml/2006/main">
+  <p:cSld>
+    <p:spTree>
+      <p:nvGrpSpPr>
+        <p:cNvPr id="1" name=""/>
+        <p:cNvGrpSpPr/>
+        <p:nvPr/>
+      </p:nvGrpSpPr>
+      <p:grpSpPr>
+        <a:xfrm>
+          <a:off x="0" y="0"/>
+          <a:ext cx="0" cy="0"/>
+          <a:chOff x="0" y="0"/>
+          <a:chExt cx="0" cy="0"/>
+        </a:xfrm>
+      </p:grpSpPr>
+      <p:pic>
+        <p:nvPicPr>
+          <p:cNvPr id="4" name="Picture 3" descr="Diagram, engineering drawing&#10;&#10;Description automatically generated">
+            <a:extLst>
+              <a:ext uri="{FF2B5EF4-FFF2-40B4-BE49-F238E27FC236}">
+                <a16:creationId xmlns:a16="http://schemas.microsoft.com/office/drawing/2014/main" id="{9E9DA9FA-2FAF-435B-9837-29B6B1DDBB38}"/>
+              </a:ext>
+            </a:extLst>
+          </p:cNvPr>
+          <p:cNvPicPr>
+            <a:picLocks noChangeAspect="1"/>
+          </p:cNvPicPr>
+          <p:nvPr/>
+        </p:nvPicPr>
+        <p:blipFill rotWithShape="1">
+          <a:blip r:embed="rId2">
+            <a:extLst>
+              <a:ext uri="{28A0092B-C50C-407E-A947-70E740481C1C}">
+                <a14:useLocalDpi xmlns:a14="http://schemas.microsoft.com/office/drawing/2010/main" val="0"/>
+              </a:ext>
+            </a:extLst>
+          </a:blip>
+          <a:srcRect l="11239" t="7581" r="42977" b="7706"/>
+          <a:stretch/>
+        </p:blipFill>
+        <p:spPr>
+          <a:xfrm rot="10800000">
+            <a:off x="222882" y="198120"/>
+            <a:ext cx="5062541" cy="5465361"/>
+          </a:xfrm>
+          <a:prstGeom prst="rect">
+            <a:avLst/>
+          </a:prstGeom>
+        </p:spPr>
+      </p:pic>
+    </p:spTree>
+    <p:extLst>
+      <p:ext uri="{BB962C8B-B14F-4D97-AF65-F5344CB8AC3E}">
+        <p14:creationId xmlns:p14="http://schemas.microsoft.com/office/powerpoint/2010/main" val="1104078736"/>
       </p:ext>
     </p:extLst>
   </p:cSld>
